--- a/know.pptx
+++ b/know.pptx
@@ -36,7 +36,9 @@
     <p:sldId id="284" r:id="rId30"/>
     <p:sldId id="285" r:id="rId31"/>
     <p:sldId id="286" r:id="rId32"/>
-    <p:sldId id="287" r:id="rId33"/>
+    <p:sldId id="288" r:id="rId33"/>
+    <p:sldId id="289" r:id="rId34"/>
+    <p:sldId id="287" r:id="rId35"/>
   </p:sldIdLst>
   <p:sldSz cx="12192000" cy="6858000"/>
   <p:notesSz cx="6858000" cy="9144000"/>
@@ -13448,26 +13450,30 @@
             </a:r>
             <a:r>
               <a:rPr lang="en-US" altLang="ko-KR" dirty="0"/>
-              <a:t> “</a:t>
-            </a:r>
-            <a:r>
-              <a:rPr lang="ko-KR" altLang="en-US" dirty="0"/>
+              <a:t> </a:t>
+            </a:r>
+            <a:r>
+              <a:rPr lang="en-US" altLang="ko-KR" u="sng" dirty="0"/>
+              <a:t>“</a:t>
+            </a:r>
+            <a:r>
+              <a:rPr lang="ko-KR" altLang="en-US" u="sng" dirty="0"/>
               <a:t>깃</a:t>
             </a:r>
             <a:r>
-              <a:rPr lang="en-US" altLang="ko-KR" dirty="0"/>
+              <a:rPr lang="en-US" altLang="ko-KR" u="sng" dirty="0"/>
               <a:t> </a:t>
             </a:r>
             <a:r>
-              <a:rPr lang="ko-KR" altLang="en-US" dirty="0"/>
+              <a:rPr lang="ko-KR" altLang="en-US" u="sng" dirty="0"/>
               <a:t>허브의 본인 </a:t>
             </a:r>
             <a:r>
-              <a:rPr lang="ko-KR" altLang="en-US" dirty="0" err="1"/>
+              <a:rPr lang="ko-KR" altLang="en-US" u="sng" dirty="0" err="1"/>
               <a:t>이메일주소</a:t>
             </a:r>
             <a:r>
-              <a:rPr lang="en-US" altLang="ko-KR" dirty="0"/>
+              <a:rPr lang="en-US" altLang="ko-KR" u="sng" dirty="0"/>
               <a:t>”</a:t>
             </a:r>
           </a:p>
@@ -13481,14 +13487,18 @@
             </a:pPr>
             <a:r>
               <a:rPr lang="en-US" altLang="ko-KR" dirty="0"/>
-              <a:t>Git config --global  user.name ”</a:t>
-            </a:r>
-            <a:r>
-              <a:rPr lang="ko-KR" altLang="en-US" dirty="0"/>
+              <a:t>Git config --global  user.name </a:t>
+            </a:r>
+            <a:r>
+              <a:rPr lang="en-US" altLang="ko-KR" u="sng" dirty="0"/>
+              <a:t>”</a:t>
+            </a:r>
+            <a:r>
+              <a:rPr lang="ko-KR" altLang="en-US" u="sng" dirty="0"/>
               <a:t>깃 허브의 아이디</a:t>
             </a:r>
             <a:r>
-              <a:rPr lang="en-US" altLang="ko-KR" dirty="0"/>
+              <a:rPr lang="en-US" altLang="ko-KR" u="sng" dirty="0"/>
               <a:t>”</a:t>
             </a:r>
           </a:p>
@@ -13524,8 +13534,8 @@
         </p:blipFill>
         <p:spPr>
           <a:xfrm>
-            <a:off x="4736471" y="2395728"/>
-            <a:ext cx="7455529" cy="4462272"/>
+            <a:off x="4791456" y="2428638"/>
+            <a:ext cx="7400544" cy="4429362"/>
           </a:xfrm>
           <a:prstGeom prst="rect">
             <a:avLst/>
@@ -13577,7 +13587,7 @@
         <p:spPr>
           <a:xfrm>
             <a:off x="128016" y="0"/>
-            <a:ext cx="6986016" cy="869790"/>
+            <a:ext cx="6986016" cy="2531783"/>
           </a:xfrm>
           <a:prstGeom prst="rect">
             <a:avLst/>
@@ -13609,12 +13619,149 @@
             </a:r>
           </a:p>
           <a:p>
+            <a:pPr marL="342900" indent="-342900">
+              <a:lnSpc>
+                <a:spcPct val="150000"/>
+              </a:lnSpc>
+              <a:buAutoNum type="arabicPeriod"/>
+            </a:pPr>
+            <a:r>
+              <a:rPr lang="en-US" altLang="ko-KR" dirty="0"/>
+              <a:t>Git</a:t>
+            </a:r>
+            <a:r>
+              <a:rPr lang="ko-KR" altLang="en-US" dirty="0"/>
+              <a:t> </a:t>
+            </a:r>
+            <a:r>
+              <a:rPr lang="en-US" altLang="ko-KR" dirty="0"/>
+              <a:t>add</a:t>
+            </a:r>
+            <a:r>
+              <a:rPr lang="ko-KR" altLang="en-US" dirty="0"/>
+              <a:t> </a:t>
+            </a:r>
+            <a:r>
+              <a:rPr lang="ko-KR" altLang="en-US" u="sng" dirty="0"/>
+              <a:t>파일명</a:t>
+            </a:r>
+            <a:r>
+              <a:rPr lang="ko-KR" altLang="en-US" dirty="0"/>
+              <a:t>                  </a:t>
+            </a:r>
+            <a:r>
+              <a:rPr lang="en-US" altLang="ko-KR" dirty="0"/>
+              <a:t>{git </a:t>
+            </a:r>
+            <a:r>
+              <a:rPr lang="ko-KR" altLang="en-US" dirty="0"/>
+              <a:t>내부에 해당 파일 올리기</a:t>
+            </a:r>
+            <a:r>
+              <a:rPr lang="en-US" altLang="ko-KR" dirty="0"/>
+              <a:t>}</a:t>
+            </a:r>
+          </a:p>
+          <a:p>
+            <a:pPr marL="342900" indent="-342900">
+              <a:lnSpc>
+                <a:spcPct val="150000"/>
+              </a:lnSpc>
+              <a:buAutoNum type="arabicPeriod"/>
+            </a:pPr>
+            <a:r>
+              <a:rPr lang="en-US" altLang="ko-KR" dirty="0"/>
+              <a:t>Git commit –m </a:t>
+            </a:r>
+            <a:r>
+              <a:rPr lang="en-US" altLang="ko-KR" u="sng" dirty="0"/>
+              <a:t>“</a:t>
+            </a:r>
+            <a:r>
+              <a:rPr lang="ko-KR" altLang="en-US" u="sng" dirty="0"/>
+              <a:t>설명</a:t>
+            </a:r>
+            <a:r>
+              <a:rPr lang="en-US" altLang="ko-KR" u="sng" dirty="0"/>
+              <a:t>”</a:t>
+            </a:r>
+            <a:r>
+              <a:rPr lang="en-US" altLang="ko-KR" dirty="0"/>
+              <a:t>          {</a:t>
+            </a:r>
+            <a:r>
+              <a:rPr lang="ko-KR" altLang="en-US" dirty="0"/>
+              <a:t>파일에 기록할 내용 적기</a:t>
+            </a:r>
+            <a:r>
+              <a:rPr lang="en-US" altLang="ko-KR" dirty="0"/>
+              <a:t>}</a:t>
+            </a:r>
+          </a:p>
+          <a:p>
+            <a:pPr marL="342900" indent="-342900">
+              <a:lnSpc>
+                <a:spcPct val="150000"/>
+              </a:lnSpc>
+              <a:buAutoNum type="arabicPeriod"/>
+            </a:pPr>
+            <a:endParaRPr lang="en-US" altLang="ko-KR" dirty="0"/>
+          </a:p>
+          <a:p>
             <a:pPr>
               <a:lnSpc>
                 <a:spcPct val="150000"/>
               </a:lnSpc>
             </a:pPr>
-            <a:endParaRPr lang="en-US" altLang="ko-KR" dirty="0"/>
+            <a:r>
+              <a:rPr lang="en-US" altLang="ko-KR" dirty="0">
+                <a:sym typeface="Wingdings" panose="05000000000000000000" pitchFamily="2" charset="2"/>
+              </a:rPr>
+              <a:t> </a:t>
+            </a:r>
+            <a:r>
+              <a:rPr lang="ko-KR" altLang="en-US" dirty="0">
+                <a:sym typeface="Wingdings" panose="05000000000000000000" pitchFamily="2" charset="2"/>
+              </a:rPr>
+              <a:t>현재 </a:t>
+            </a:r>
+            <a:r>
+              <a:rPr lang="en-US" altLang="ko-KR" dirty="0">
+                <a:sym typeface="Wingdings" panose="05000000000000000000" pitchFamily="2" charset="2"/>
+              </a:rPr>
+              <a:t>git </a:t>
+            </a:r>
+            <a:r>
+              <a:rPr lang="ko-KR" altLang="en-US" dirty="0">
+                <a:sym typeface="Wingdings" panose="05000000000000000000" pitchFamily="2" charset="2"/>
+              </a:rPr>
+              <a:t>내부에만 저장 되어있는 상태</a:t>
+            </a:r>
+            <a:r>
+              <a:rPr lang="en-US" altLang="ko-KR" dirty="0">
+                <a:sym typeface="Wingdings" panose="05000000000000000000" pitchFamily="2" charset="2"/>
+              </a:rPr>
+              <a:t>.</a:t>
+            </a:r>
+          </a:p>
+          <a:p>
+            <a:pPr>
+              <a:lnSpc>
+                <a:spcPct val="150000"/>
+              </a:lnSpc>
+            </a:pPr>
+            <a:r>
+              <a:rPr lang="ko-KR" altLang="en-US" dirty="0">
+                <a:sym typeface="Wingdings" panose="05000000000000000000" pitchFamily="2" charset="2"/>
+              </a:rPr>
+              <a:t>여러 개 올리기도 가능</a:t>
+            </a:r>
+            <a:r>
+              <a:rPr lang="en-US" altLang="ko-KR" dirty="0">
+                <a:sym typeface="Wingdings" panose="05000000000000000000" pitchFamily="2" charset="2"/>
+              </a:rPr>
+              <a:t>.</a:t>
+            </a:r>
           </a:p>
         </p:txBody>
       </p:sp>
@@ -13632,8 +13779,8 @@
         </p:nvSpPr>
         <p:spPr>
           <a:xfrm>
-            <a:off x="4587665" y="5559552"/>
-            <a:ext cx="7592143" cy="923330"/>
+            <a:off x="7534656" y="0"/>
+            <a:ext cx="4657344" cy="923330"/>
           </a:xfrm>
           <a:prstGeom prst="rect">
             <a:avLst/>
@@ -13641,14 +13788,14 @@
           <a:noFill/>
         </p:spPr>
         <p:txBody>
-          <a:bodyPr wrap="none" rtlCol="0">
+          <a:bodyPr wrap="square" rtlCol="0">
             <a:spAutoFit/>
           </a:bodyPr>
           <a:lstStyle/>
           <a:p>
             <a:r>
               <a:rPr lang="en-US" altLang="ko-KR" dirty="0"/>
-              <a:t>---------------</a:t>
+              <a:t>--------</a:t>
             </a:r>
             <a:r>
               <a:rPr lang="ko-KR" altLang="en-US" dirty="0"/>
@@ -13664,7 +13811,7 @@
             </a:r>
             <a:r>
               <a:rPr lang="en-US" altLang="ko-KR" dirty="0"/>
-              <a:t>---------------</a:t>
+              <a:t>---------</a:t>
             </a:r>
           </a:p>
           <a:p>
@@ -13682,51 +13829,179 @@
             </a:r>
             <a:r>
               <a:rPr lang="ko-KR" altLang="en-US" dirty="0"/>
-              <a:t>폴더에 있는 다른 파일들을 확일</a:t>
+              <a:t>폴더에 있는 다른 파일들을 확인</a:t>
             </a:r>
             <a:endParaRPr lang="en-US" altLang="ko-KR" dirty="0"/>
           </a:p>
           <a:p>
             <a:r>
               <a:rPr lang="en-US" altLang="ko-KR" dirty="0"/>
-              <a:t>Cat </a:t>
-            </a:r>
-            <a:r>
-              <a:rPr lang="ko-KR" altLang="en-US" u="sng" dirty="0"/>
-              <a:t>파일명</a:t>
-            </a:r>
-            <a:r>
-              <a:rPr lang="ko-KR" altLang="en-US" dirty="0"/>
-              <a:t>  </a:t>
-            </a:r>
-            <a:r>
-              <a:rPr lang="en-US" altLang="ko-KR" dirty="0"/>
-              <a:t>:  </a:t>
-            </a:r>
-            <a:r>
-              <a:rPr lang="ko-KR" altLang="en-US" dirty="0"/>
-              <a:t>해당 파일의 내용을 읽을 수 있음</a:t>
-            </a:r>
-            <a:r>
-              <a:rPr lang="en-US" altLang="ko-KR" dirty="0"/>
-              <a:t>.(</a:t>
-            </a:r>
-            <a:r>
-              <a:rPr lang="ko-KR" altLang="en-US" dirty="0"/>
-              <a:t>단</a:t>
-            </a:r>
-            <a:r>
-              <a:rPr lang="en-US" altLang="ko-KR" dirty="0"/>
-              <a:t>, </a:t>
-            </a:r>
-            <a:r>
-              <a:rPr lang="ko-KR" altLang="en-US" dirty="0"/>
-              <a:t>깨져 나올 수 있음</a:t>
-            </a:r>
-            <a:r>
-              <a:rPr lang="en-US" altLang="ko-KR" dirty="0"/>
-              <a:t>) </a:t>
-            </a:r>
+              <a:t>Log</a:t>
+            </a:r>
+            <a:r>
+              <a:rPr lang="ko-KR" altLang="en-US" dirty="0"/>
+              <a:t> </a:t>
+            </a:r>
+            <a:r>
+              <a:rPr lang="en-US" altLang="ko-KR" dirty="0"/>
+              <a:t>:</a:t>
+            </a:r>
+            <a:r>
+              <a:rPr lang="ko-KR" altLang="en-US" dirty="0"/>
+              <a:t> </a:t>
+            </a:r>
+            <a:r>
+              <a:rPr lang="en-US" altLang="ko-KR" dirty="0"/>
+              <a:t>add</a:t>
+            </a:r>
+            <a:r>
+              <a:rPr lang="ko-KR" altLang="en-US" dirty="0"/>
+              <a:t>한 파일 기록 확인</a:t>
+            </a:r>
+            <a:endParaRPr lang="en-US" altLang="ko-KR" dirty="0"/>
+          </a:p>
+        </p:txBody>
+      </p:sp>
+      <p:pic>
+        <p:nvPicPr>
+          <p:cNvPr id="5" name="그림 4">
+            <a:extLst>
+              <a:ext uri="{FF2B5EF4-FFF2-40B4-BE49-F238E27FC236}">
+                <a16:creationId xmlns:a16="http://schemas.microsoft.com/office/drawing/2014/main" id="{A7320947-2A35-49EB-A8AB-F4092DA2EFC9}"/>
+              </a:ext>
+            </a:extLst>
+          </p:cNvPr>
+          <p:cNvPicPr>
+            <a:picLocks noChangeAspect="1"/>
+          </p:cNvPicPr>
+          <p:nvPr/>
+        </p:nvPicPr>
+        <p:blipFill>
+          <a:blip r:embed="rId2"/>
+          <a:stretch>
+            <a:fillRect/>
+          </a:stretch>
+        </p:blipFill>
+        <p:spPr>
+          <a:xfrm>
+            <a:off x="3285010" y="2596896"/>
+            <a:ext cx="8906990" cy="4261104"/>
+          </a:xfrm>
+          <a:prstGeom prst="rect">
+            <a:avLst/>
+          </a:prstGeom>
+        </p:spPr>
+      </p:pic>
+      <p:sp>
+        <p:nvSpPr>
+          <p:cNvPr id="6" name="TextBox 5">
+            <a:extLst>
+              <a:ext uri="{FF2B5EF4-FFF2-40B4-BE49-F238E27FC236}">
+                <a16:creationId xmlns:a16="http://schemas.microsoft.com/office/drawing/2014/main" id="{B94ADAAC-4747-49AA-B8AA-CF0CB10DE748}"/>
+              </a:ext>
+            </a:extLst>
+          </p:cNvPr>
+          <p:cNvSpPr txBox="1"/>
+          <p:nvPr/>
+        </p:nvSpPr>
+        <p:spPr>
+          <a:xfrm>
+            <a:off x="128016" y="3429000"/>
+            <a:ext cx="3156994" cy="2031325"/>
+          </a:xfrm>
+          <a:prstGeom prst="rect">
+            <a:avLst/>
+          </a:prstGeom>
+          <a:noFill/>
+        </p:spPr>
+        <p:txBody>
+          <a:bodyPr wrap="square" rtlCol="0">
+            <a:spAutoFit/>
+          </a:bodyPr>
+          <a:lstStyle/>
+          <a:p>
+            <a:pPr>
+              <a:lnSpc>
+                <a:spcPct val="150000"/>
+              </a:lnSpc>
+            </a:pPr>
+            <a:r>
+              <a:rPr lang="en-US" altLang="ko-KR" dirty="0">
+                <a:sym typeface="Wingdings" panose="05000000000000000000" pitchFamily="2" charset="2"/>
+              </a:rPr>
+              <a:t>//</a:t>
+            </a:r>
+            <a:r>
+              <a:rPr lang="ko-KR" altLang="en-US" dirty="0">
+                <a:sym typeface="Wingdings" panose="05000000000000000000" pitchFamily="2" charset="2"/>
+              </a:rPr>
+              <a:t>업로드한 파일 중 기존으로 돌아갈 경우</a:t>
+            </a:r>
+            <a:r>
+              <a:rPr lang="en-US" altLang="ko-KR" dirty="0">
+                <a:sym typeface="Wingdings" panose="05000000000000000000" pitchFamily="2" charset="2"/>
+              </a:rPr>
+              <a:t>.</a:t>
+            </a:r>
+          </a:p>
+          <a:p>
+            <a:pPr>
+              <a:lnSpc>
+                <a:spcPct val="150000"/>
+              </a:lnSpc>
+            </a:pPr>
+            <a:r>
+              <a:rPr lang="en-US" altLang="ko-KR" dirty="0">
+                <a:sym typeface="Wingdings" panose="05000000000000000000" pitchFamily="2" charset="2"/>
+              </a:rPr>
+              <a:t>Git checkout </a:t>
+            </a:r>
+            <a:r>
+              <a:rPr lang="en-US" altLang="ko-KR" u="sng" dirty="0">
+                <a:sym typeface="Wingdings" panose="05000000000000000000" pitchFamily="2" charset="2"/>
+              </a:rPr>
+              <a:t>log</a:t>
+            </a:r>
+            <a:r>
+              <a:rPr lang="ko-KR" altLang="en-US" u="sng" dirty="0">
+                <a:sym typeface="Wingdings" panose="05000000000000000000" pitchFamily="2" charset="2"/>
+              </a:rPr>
+              <a:t>한 </a:t>
+            </a:r>
+            <a:r>
+              <a:rPr lang="en-US" altLang="ko-KR" u="sng" dirty="0">
+                <a:sym typeface="Wingdings" panose="05000000000000000000" pitchFamily="2" charset="2"/>
+              </a:rPr>
+              <a:t>commit</a:t>
+            </a:r>
+          </a:p>
+          <a:p>
+            <a:pPr>
+              <a:lnSpc>
+                <a:spcPct val="150000"/>
+              </a:lnSpc>
+            </a:pPr>
+            <a:r>
+              <a:rPr lang="ko-KR" altLang="en-US" u="sng" dirty="0">
+                <a:sym typeface="Wingdings" panose="05000000000000000000" pitchFamily="2" charset="2"/>
+              </a:rPr>
+              <a:t>번호 </a:t>
+            </a:r>
+            <a:r>
+              <a:rPr lang="en-US" altLang="ko-KR" u="sng" dirty="0">
+                <a:sym typeface="Wingdings" panose="05000000000000000000" pitchFamily="2" charset="2"/>
+              </a:rPr>
+              <a:t>7</a:t>
+            </a:r>
+            <a:r>
+              <a:rPr lang="ko-KR" altLang="en-US" u="sng" dirty="0">
+                <a:sym typeface="Wingdings" panose="05000000000000000000" pitchFamily="2" charset="2"/>
+              </a:rPr>
+              <a:t>자리</a:t>
+            </a:r>
+            <a:endParaRPr lang="en-US" altLang="ko-KR" u="sng" dirty="0"/>
+          </a:p>
+          <a:p>
             <a:endParaRPr lang="ko-KR" altLang="en-US" dirty="0"/>
           </a:p>
         </p:txBody>
@@ -13761,6 +14036,543 @@
           <a:chExt cx="0" cy="0"/>
         </a:xfrm>
       </p:grpSpPr>
+      <p:sp>
+        <p:nvSpPr>
+          <p:cNvPr id="4" name="TextBox 3">
+            <a:extLst>
+              <a:ext uri="{FF2B5EF4-FFF2-40B4-BE49-F238E27FC236}">
+                <a16:creationId xmlns:a16="http://schemas.microsoft.com/office/drawing/2014/main" id="{55F62732-6D7D-4738-AB01-A744143BB518}"/>
+              </a:ext>
+            </a:extLst>
+          </p:cNvPr>
+          <p:cNvSpPr txBox="1"/>
+          <p:nvPr/>
+        </p:nvSpPr>
+        <p:spPr>
+          <a:xfrm>
+            <a:off x="128016" y="0"/>
+            <a:ext cx="6986016" cy="3362780"/>
+          </a:xfrm>
+          <a:prstGeom prst="rect">
+            <a:avLst/>
+          </a:prstGeom>
+          <a:noFill/>
+        </p:spPr>
+        <p:txBody>
+          <a:bodyPr wrap="square" rtlCol="0">
+            <a:spAutoFit/>
+          </a:bodyPr>
+          <a:lstStyle/>
+          <a:p>
+            <a:pPr>
+              <a:lnSpc>
+                <a:spcPct val="150000"/>
+              </a:lnSpc>
+            </a:pPr>
+            <a:r>
+              <a:rPr lang="en-US" altLang="ko-KR" dirty="0"/>
+              <a:t>-------------------Git</a:t>
+            </a:r>
+            <a:r>
+              <a:rPr lang="ko-KR" altLang="en-US" dirty="0"/>
+              <a:t> </a:t>
+            </a:r>
+            <a:r>
+              <a:rPr lang="en-US" altLang="ko-KR" dirty="0"/>
+              <a:t>hub</a:t>
+            </a:r>
+            <a:r>
+              <a:rPr lang="ko-KR" altLang="en-US" dirty="0"/>
+              <a:t>에</a:t>
+            </a:r>
+            <a:r>
+              <a:rPr lang="en-US" altLang="ko-KR" dirty="0"/>
+              <a:t> </a:t>
+            </a:r>
+            <a:r>
+              <a:rPr lang="ko-KR" altLang="en-US" dirty="0"/>
+              <a:t>파일  첫 업로드</a:t>
+            </a:r>
+            <a:r>
+              <a:rPr lang="en-US" altLang="ko-KR" dirty="0"/>
+              <a:t>------------------------</a:t>
+            </a:r>
+          </a:p>
+          <a:p>
+            <a:pPr marL="342900" indent="-342900">
+              <a:lnSpc>
+                <a:spcPct val="150000"/>
+              </a:lnSpc>
+              <a:buAutoNum type="arabicPeriod"/>
+            </a:pPr>
+            <a:r>
+              <a:rPr lang="en-US" altLang="ko-KR" dirty="0"/>
+              <a:t>Git</a:t>
+            </a:r>
+            <a:r>
+              <a:rPr lang="ko-KR" altLang="en-US" dirty="0"/>
+              <a:t> </a:t>
+            </a:r>
+            <a:r>
+              <a:rPr lang="en-US" altLang="ko-KR" dirty="0"/>
+              <a:t>hub</a:t>
+            </a:r>
+            <a:r>
+              <a:rPr lang="ko-KR" altLang="en-US" dirty="0"/>
+              <a:t>에 들어가서 </a:t>
+            </a:r>
+            <a:r>
+              <a:rPr lang="en-US" altLang="ko-KR" dirty="0"/>
+              <a:t>New repository</a:t>
+            </a:r>
+            <a:r>
+              <a:rPr lang="ko-KR" altLang="en-US" dirty="0"/>
+              <a:t>로 파일 만들기</a:t>
+            </a:r>
+            <a:endParaRPr lang="en-US" altLang="ko-KR" dirty="0"/>
+          </a:p>
+          <a:p>
+            <a:pPr marL="342900" indent="-342900">
+              <a:lnSpc>
+                <a:spcPct val="150000"/>
+              </a:lnSpc>
+              <a:buAutoNum type="arabicPeriod"/>
+            </a:pPr>
+            <a:r>
+              <a:rPr lang="ko-KR" altLang="en-US" dirty="0"/>
+              <a:t>생성 저장소의 </a:t>
+            </a:r>
+            <a:r>
+              <a:rPr lang="en-US" altLang="ko-KR" dirty="0"/>
+              <a:t>http </a:t>
+            </a:r>
+            <a:r>
+              <a:rPr lang="ko-KR" altLang="en-US" dirty="0"/>
+              <a:t>복사하기</a:t>
+            </a:r>
+            <a:endParaRPr lang="en-US" altLang="ko-KR" dirty="0"/>
+          </a:p>
+          <a:p>
+            <a:pPr marL="342900" indent="-342900">
+              <a:lnSpc>
+                <a:spcPct val="150000"/>
+              </a:lnSpc>
+              <a:buAutoNum type="arabicPeriod"/>
+            </a:pPr>
+            <a:r>
+              <a:rPr lang="en-US" altLang="ko-KR" dirty="0"/>
+              <a:t>Git</a:t>
+            </a:r>
+            <a:r>
+              <a:rPr lang="ko-KR" altLang="en-US" dirty="0"/>
+              <a:t> </a:t>
+            </a:r>
+            <a:r>
+              <a:rPr lang="en-US" altLang="ko-KR" dirty="0"/>
+              <a:t>remote</a:t>
+            </a:r>
+            <a:r>
+              <a:rPr lang="ko-KR" altLang="en-US" dirty="0"/>
+              <a:t> </a:t>
+            </a:r>
+            <a:r>
+              <a:rPr lang="en-US" altLang="ko-KR" dirty="0"/>
+              <a:t>add</a:t>
+            </a:r>
+            <a:r>
+              <a:rPr lang="ko-KR" altLang="en-US" dirty="0"/>
+              <a:t> </a:t>
+            </a:r>
+            <a:r>
+              <a:rPr lang="en-US" altLang="ko-KR" dirty="0"/>
+              <a:t>origin</a:t>
+            </a:r>
+            <a:r>
+              <a:rPr lang="ko-KR" altLang="en-US" dirty="0"/>
+              <a:t> </a:t>
+            </a:r>
+            <a:r>
+              <a:rPr lang="ko-KR" altLang="en-US" u="sng" dirty="0"/>
+              <a:t>복사한 </a:t>
+            </a:r>
+            <a:r>
+              <a:rPr lang="en-US" altLang="ko-KR" u="sng" dirty="0"/>
+              <a:t>http </a:t>
+            </a:r>
+            <a:r>
+              <a:rPr lang="en-US" altLang="ko-KR" dirty="0"/>
+              <a:t>              {</a:t>
+            </a:r>
+            <a:r>
+              <a:rPr lang="ko-KR" altLang="en-US" dirty="0"/>
+              <a:t>로컬과 연결됨</a:t>
+            </a:r>
+            <a:r>
+              <a:rPr lang="en-US" altLang="ko-KR" dirty="0"/>
+              <a:t>}</a:t>
+            </a:r>
+          </a:p>
+          <a:p>
+            <a:pPr marL="342900" indent="-342900">
+              <a:lnSpc>
+                <a:spcPct val="150000"/>
+              </a:lnSpc>
+              <a:buAutoNum type="arabicPeriod"/>
+            </a:pPr>
+            <a:r>
+              <a:rPr lang="en-US" altLang="ko-KR" dirty="0"/>
+              <a:t>Git</a:t>
+            </a:r>
+            <a:r>
+              <a:rPr lang="ko-KR" altLang="en-US" dirty="0"/>
+              <a:t> </a:t>
+            </a:r>
+            <a:r>
+              <a:rPr lang="en-US" altLang="ko-KR" dirty="0"/>
+              <a:t>push</a:t>
+            </a:r>
+            <a:r>
+              <a:rPr lang="ko-KR" altLang="en-US" dirty="0"/>
+              <a:t> </a:t>
+            </a:r>
+            <a:r>
+              <a:rPr lang="en-US" altLang="ko-KR" dirty="0"/>
+              <a:t>origin</a:t>
+            </a:r>
+            <a:r>
+              <a:rPr lang="ko-KR" altLang="en-US" dirty="0"/>
+              <a:t> </a:t>
+            </a:r>
+            <a:r>
+              <a:rPr lang="en-US" altLang="ko-KR" dirty="0"/>
+              <a:t>master</a:t>
+            </a:r>
+            <a:r>
+              <a:rPr lang="ko-KR" altLang="en-US" dirty="0"/>
+              <a:t> </a:t>
+            </a:r>
+            <a:endParaRPr lang="en-US" altLang="ko-KR" dirty="0"/>
+          </a:p>
+          <a:p>
+            <a:pPr>
+              <a:lnSpc>
+                <a:spcPct val="150000"/>
+              </a:lnSpc>
+            </a:pPr>
+            <a:r>
+              <a:rPr lang="en-US" altLang="ko-KR" dirty="0"/>
+              <a:t>                 {master</a:t>
+            </a:r>
+            <a:r>
+              <a:rPr lang="ko-KR" altLang="en-US" dirty="0"/>
+              <a:t>의 현재 내용을 사이트로 밀어 올리기</a:t>
+            </a:r>
+            <a:r>
+              <a:rPr lang="en-US" altLang="ko-KR" dirty="0"/>
+              <a:t>_</a:t>
+            </a:r>
+            <a:r>
+              <a:rPr lang="ko-KR" altLang="en-US" dirty="0"/>
+              <a:t>올라감</a:t>
+            </a:r>
+            <a:r>
+              <a:rPr lang="en-US" altLang="ko-KR" dirty="0"/>
+              <a:t>}</a:t>
+            </a:r>
+          </a:p>
+          <a:p>
+            <a:pPr marL="342900" indent="-342900">
+              <a:lnSpc>
+                <a:spcPct val="150000"/>
+              </a:lnSpc>
+              <a:buAutoNum type="arabicPeriod"/>
+            </a:pPr>
+            <a:endParaRPr lang="en-US" altLang="ko-KR" dirty="0"/>
+          </a:p>
+          <a:p>
+            <a:pPr marL="342900" indent="-342900">
+              <a:lnSpc>
+                <a:spcPct val="150000"/>
+              </a:lnSpc>
+              <a:buAutoNum type="arabicPeriod"/>
+            </a:pPr>
+            <a:endParaRPr lang="en-US" altLang="ko-KR" dirty="0"/>
+          </a:p>
+        </p:txBody>
+      </p:sp>
+      <p:sp>
+        <p:nvSpPr>
+          <p:cNvPr id="2" name="TextBox 1">
+            <a:extLst>
+              <a:ext uri="{FF2B5EF4-FFF2-40B4-BE49-F238E27FC236}">
+                <a16:creationId xmlns:a16="http://schemas.microsoft.com/office/drawing/2014/main" id="{B35BAFF3-6B8A-4739-87ED-127FD6067CFE}"/>
+              </a:ext>
+            </a:extLst>
+          </p:cNvPr>
+          <p:cNvSpPr txBox="1"/>
+          <p:nvPr/>
+        </p:nvSpPr>
+        <p:spPr>
+          <a:xfrm>
+            <a:off x="7534656" y="0"/>
+            <a:ext cx="4657344" cy="646331"/>
+          </a:xfrm>
+          <a:prstGeom prst="rect">
+            <a:avLst/>
+          </a:prstGeom>
+          <a:noFill/>
+        </p:spPr>
+        <p:txBody>
+          <a:bodyPr wrap="square" rtlCol="0">
+            <a:spAutoFit/>
+          </a:bodyPr>
+          <a:lstStyle/>
+          <a:p>
+            <a:r>
+              <a:rPr lang="en-US" altLang="ko-KR" dirty="0"/>
+              <a:t>--------</a:t>
+            </a:r>
+            <a:r>
+              <a:rPr lang="ko-KR" altLang="en-US" dirty="0"/>
+              <a:t>도움이 되는 </a:t>
+            </a:r>
+            <a:r>
+              <a:rPr lang="en-US" altLang="ko-KR" dirty="0"/>
+              <a:t>git</a:t>
+            </a:r>
+            <a:r>
+              <a:rPr lang="ko-KR" altLang="en-US" dirty="0"/>
+              <a:t> 용어 정리</a:t>
+            </a:r>
+            <a:r>
+              <a:rPr lang="en-US" altLang="ko-KR" dirty="0"/>
+              <a:t>---------</a:t>
+            </a:r>
+          </a:p>
+          <a:p>
+            <a:r>
+              <a:rPr lang="en-US" altLang="ko-KR" dirty="0"/>
+              <a:t>ls : </a:t>
+            </a:r>
+            <a:r>
+              <a:rPr lang="ko-KR" altLang="en-US" dirty="0"/>
+              <a:t>해당</a:t>
+            </a:r>
+            <a:r>
+              <a:rPr lang="en-US" altLang="ko-KR" dirty="0"/>
+              <a:t> </a:t>
+            </a:r>
+            <a:r>
+              <a:rPr lang="ko-KR" altLang="en-US" dirty="0"/>
+              <a:t>폴더에 있는 다른 파일들을 확일</a:t>
+            </a:r>
+            <a:endParaRPr lang="en-US" altLang="ko-KR" dirty="0"/>
+          </a:p>
+        </p:txBody>
+      </p:sp>
+    </p:spTree>
+    <p:extLst>
+      <p:ext uri="{BB962C8B-B14F-4D97-AF65-F5344CB8AC3E}">
+        <p14:creationId xmlns:p14="http://schemas.microsoft.com/office/powerpoint/2010/main" val="677680132"/>
+      </p:ext>
+    </p:extLst>
+  </p:cSld>
+  <p:clrMapOvr>
+    <a:masterClrMapping/>
+  </p:clrMapOvr>
+</p:sld>
+</file>
+
+<file path=ppt/slides/slide33.xml><?xml version="1.0" encoding="utf-8"?>
+<p:sld xmlns:a="http://schemas.openxmlformats.org/drawingml/2006/main" xmlns:r="http://schemas.openxmlformats.org/officeDocument/2006/relationships" xmlns:p="http://schemas.openxmlformats.org/presentationml/2006/main">
+  <p:cSld>
+    <p:spTree>
+      <p:nvGrpSpPr>
+        <p:cNvPr id="1" name=""/>
+        <p:cNvGrpSpPr/>
+        <p:nvPr/>
+      </p:nvGrpSpPr>
+      <p:grpSpPr>
+        <a:xfrm>
+          <a:off x="0" y="0"/>
+          <a:ext cx="0" cy="0"/>
+          <a:chOff x="0" y="0"/>
+          <a:chExt cx="0" cy="0"/>
+        </a:xfrm>
+      </p:grpSpPr>
+      <p:pic>
+        <p:nvPicPr>
+          <p:cNvPr id="2" name="그림 1">
+            <a:extLst>
+              <a:ext uri="{FF2B5EF4-FFF2-40B4-BE49-F238E27FC236}">
+                <a16:creationId xmlns:a16="http://schemas.microsoft.com/office/drawing/2014/main" id="{498E9EE8-0EE4-4504-B395-DBB923D02A7B}"/>
+              </a:ext>
+            </a:extLst>
+          </p:cNvPr>
+          <p:cNvPicPr>
+            <a:picLocks noChangeAspect="1"/>
+          </p:cNvPicPr>
+          <p:nvPr/>
+        </p:nvPicPr>
+        <p:blipFill>
+          <a:blip r:embed="rId2"/>
+          <a:stretch>
+            <a:fillRect/>
+          </a:stretch>
+        </p:blipFill>
+        <p:spPr>
+          <a:xfrm>
+            <a:off x="848296" y="371475"/>
+            <a:ext cx="10385815" cy="5188077"/>
+          </a:xfrm>
+          <a:prstGeom prst="rect">
+            <a:avLst/>
+          </a:prstGeom>
+        </p:spPr>
+      </p:pic>
+    </p:spTree>
+    <p:extLst>
+      <p:ext uri="{BB962C8B-B14F-4D97-AF65-F5344CB8AC3E}">
+        <p14:creationId xmlns:p14="http://schemas.microsoft.com/office/powerpoint/2010/main" val="3902341334"/>
+      </p:ext>
+    </p:extLst>
+  </p:cSld>
+  <p:clrMapOvr>
+    <a:masterClrMapping/>
+  </p:clrMapOvr>
+</p:sld>
+</file>
+
+<file path=ppt/slides/slide34.xml><?xml version="1.0" encoding="utf-8"?>
+<p:sld xmlns:a="http://schemas.openxmlformats.org/drawingml/2006/main" xmlns:r="http://schemas.openxmlformats.org/officeDocument/2006/relationships" xmlns:p="http://schemas.openxmlformats.org/presentationml/2006/main">
+  <p:cSld>
+    <p:spTree>
+      <p:nvGrpSpPr>
+        <p:cNvPr id="1" name=""/>
+        <p:cNvGrpSpPr/>
+        <p:nvPr/>
+      </p:nvGrpSpPr>
+      <p:grpSpPr>
+        <a:xfrm>
+          <a:off x="0" y="0"/>
+          <a:ext cx="0" cy="0"/>
+          <a:chOff x="0" y="0"/>
+          <a:chExt cx="0" cy="0"/>
+        </a:xfrm>
+      </p:grpSpPr>
+      <p:sp>
+        <p:nvSpPr>
+          <p:cNvPr id="2" name="TextBox 1">
+            <a:extLst>
+              <a:ext uri="{FF2B5EF4-FFF2-40B4-BE49-F238E27FC236}">
+                <a16:creationId xmlns:a16="http://schemas.microsoft.com/office/drawing/2014/main" id="{39A990B4-7AF1-4DC5-BECA-634C14F7D50A}"/>
+              </a:ext>
+            </a:extLst>
+          </p:cNvPr>
+          <p:cNvSpPr txBox="1"/>
+          <p:nvPr/>
+        </p:nvSpPr>
+        <p:spPr>
+          <a:xfrm>
+            <a:off x="0" y="42479"/>
+            <a:ext cx="12192000" cy="923330"/>
+          </a:xfrm>
+          <a:prstGeom prst="rect">
+            <a:avLst/>
+          </a:prstGeom>
+          <a:noFill/>
+        </p:spPr>
+        <p:txBody>
+          <a:bodyPr wrap="square" rtlCol="0">
+            <a:spAutoFit/>
+          </a:bodyPr>
+          <a:lstStyle/>
+          <a:p>
+            <a:r>
+              <a:rPr lang="en-US" altLang="ko-KR" dirty="0"/>
+              <a:t>--------</a:t>
+            </a:r>
+            <a:r>
+              <a:rPr lang="ko-KR" altLang="en-US" dirty="0"/>
+              <a:t>도움이 되는 </a:t>
+            </a:r>
+            <a:r>
+              <a:rPr lang="en-US" altLang="ko-KR" dirty="0"/>
+              <a:t>git</a:t>
+            </a:r>
+            <a:r>
+              <a:rPr lang="ko-KR" altLang="en-US" dirty="0"/>
+              <a:t> 용어 정리</a:t>
+            </a:r>
+            <a:r>
+              <a:rPr lang="en-US" altLang="ko-KR" dirty="0"/>
+              <a:t>---------</a:t>
+            </a:r>
+          </a:p>
+          <a:p>
+            <a:r>
+              <a:rPr lang="en-US" altLang="ko-KR" dirty="0"/>
+              <a:t>ls : </a:t>
+            </a:r>
+            <a:r>
+              <a:rPr lang="ko-KR" altLang="en-US" dirty="0"/>
+              <a:t>해당</a:t>
+            </a:r>
+            <a:r>
+              <a:rPr lang="en-US" altLang="ko-KR" dirty="0"/>
+              <a:t> </a:t>
+            </a:r>
+            <a:r>
+              <a:rPr lang="ko-KR" altLang="en-US" dirty="0"/>
+              <a:t>폴더에 있는 다른 파일들을 확일</a:t>
+            </a:r>
+            <a:endParaRPr lang="en-US" altLang="ko-KR" dirty="0"/>
+          </a:p>
+          <a:p>
+            <a:r>
+              <a:rPr lang="en-US" altLang="ko-KR" dirty="0"/>
+              <a:t>Cat </a:t>
+            </a:r>
+            <a:r>
+              <a:rPr lang="ko-KR" altLang="en-US" u="sng" dirty="0"/>
+              <a:t>파일명</a:t>
+            </a:r>
+            <a:r>
+              <a:rPr lang="ko-KR" altLang="en-US" dirty="0"/>
+              <a:t>  </a:t>
+            </a:r>
+            <a:r>
+              <a:rPr lang="en-US" altLang="ko-KR" dirty="0"/>
+              <a:t>:  </a:t>
+            </a:r>
+            <a:r>
+              <a:rPr lang="ko-KR" altLang="en-US" dirty="0"/>
+              <a:t>해당 파일의 내용을 읽을 수 있음</a:t>
+            </a:r>
+            <a:r>
+              <a:rPr lang="en-US" altLang="ko-KR" dirty="0"/>
+              <a:t>.(</a:t>
+            </a:r>
+            <a:r>
+              <a:rPr lang="ko-KR" altLang="en-US" dirty="0"/>
+              <a:t>단</a:t>
+            </a:r>
+            <a:r>
+              <a:rPr lang="en-US" altLang="ko-KR" dirty="0"/>
+              <a:t>, </a:t>
+            </a:r>
+            <a:r>
+              <a:rPr lang="ko-KR" altLang="en-US" dirty="0"/>
+              <a:t>깨져 나올 수 있음</a:t>
+            </a:r>
+            <a:r>
+              <a:rPr lang="en-US" altLang="ko-KR" dirty="0"/>
+              <a:t>) </a:t>
+            </a:r>
+            <a:endParaRPr lang="ko-KR" altLang="en-US" dirty="0"/>
+          </a:p>
+        </p:txBody>
+      </p:sp>
     </p:spTree>
     <p:extLst>
       <p:ext uri="{BB962C8B-B14F-4D97-AF65-F5344CB8AC3E}">

--- a/know.pptx
+++ b/know.pptx
@@ -34,11 +34,13 @@
     <p:sldId id="276" r:id="rId28"/>
     <p:sldId id="277" r:id="rId29"/>
     <p:sldId id="284" r:id="rId30"/>
-    <p:sldId id="285" r:id="rId31"/>
-    <p:sldId id="286" r:id="rId32"/>
-    <p:sldId id="288" r:id="rId33"/>
-    <p:sldId id="289" r:id="rId34"/>
-    <p:sldId id="287" r:id="rId35"/>
+    <p:sldId id="290" r:id="rId31"/>
+    <p:sldId id="291" r:id="rId32"/>
+    <p:sldId id="292" r:id="rId33"/>
+    <p:sldId id="293" r:id="rId34"/>
+    <p:sldId id="294" r:id="rId35"/>
+    <p:sldId id="295" r:id="rId36"/>
+    <p:sldId id="296" r:id="rId37"/>
   </p:sldIdLst>
   <p:sldSz cx="12192000" cy="6858000"/>
   <p:notesSz cx="6858000" cy="9144000"/>
@@ -13545,7 +13547,7 @@
     </p:spTree>
     <p:extLst>
       <p:ext uri="{BB962C8B-B14F-4D97-AF65-F5344CB8AC3E}">
-        <p14:creationId xmlns:p14="http://schemas.microsoft.com/office/powerpoint/2010/main" val="3665523652"/>
+        <p14:creationId xmlns:p14="http://schemas.microsoft.com/office/powerpoint/2010/main" val="1851576170"/>
       </p:ext>
     </p:extLst>
   </p:cSld>
@@ -13836,7 +13838,15 @@
           <a:p>
             <a:r>
               <a:rPr lang="en-US" altLang="ko-KR" dirty="0"/>
-              <a:t>Log</a:t>
+              <a:t>Git</a:t>
+            </a:r>
+            <a:r>
+              <a:rPr lang="ko-KR" altLang="en-US" dirty="0"/>
+              <a:t> </a:t>
+            </a:r>
+            <a:r>
+              <a:rPr lang="en-US" altLang="ko-KR" dirty="0"/>
+              <a:t>log</a:t>
             </a:r>
             <a:r>
               <a:rPr lang="ko-KR" altLang="en-US" dirty="0"/>
@@ -13906,8 +13916,8 @@
         </p:nvSpPr>
         <p:spPr>
           <a:xfrm>
-            <a:off x="128016" y="3429000"/>
-            <a:ext cx="3156994" cy="2031325"/>
+            <a:off x="7534656" y="1220171"/>
+            <a:ext cx="5065776" cy="1200329"/>
           </a:xfrm>
           <a:prstGeom prst="rect">
             <a:avLst/>
@@ -13972,15 +13982,8 @@
               <a:rPr lang="en-US" altLang="ko-KR" u="sng" dirty="0">
                 <a:sym typeface="Wingdings" panose="05000000000000000000" pitchFamily="2" charset="2"/>
               </a:rPr>
-              <a:t>commit</a:t>
-            </a:r>
-          </a:p>
-          <a:p>
-            <a:pPr>
-              <a:lnSpc>
-                <a:spcPct val="150000"/>
-              </a:lnSpc>
-            </a:pPr>
+              <a:t>commit </a:t>
+            </a:r>
             <a:r>
               <a:rPr lang="ko-KR" altLang="en-US" u="sng" dirty="0">
                 <a:sym typeface="Wingdings" panose="05000000000000000000" pitchFamily="2" charset="2"/>
@@ -14009,7 +14012,7 @@
     </p:spTree>
     <p:extLst>
       <p:ext uri="{BB962C8B-B14F-4D97-AF65-F5344CB8AC3E}">
-        <p14:creationId xmlns:p14="http://schemas.microsoft.com/office/powerpoint/2010/main" val="1353589136"/>
+        <p14:creationId xmlns:p14="http://schemas.microsoft.com/office/powerpoint/2010/main" val="2481287758"/>
       </p:ext>
     </p:extLst>
   </p:cSld>
@@ -14051,7 +14054,7 @@
         <p:spPr>
           <a:xfrm>
             <a:off x="128016" y="0"/>
-            <a:ext cx="6986016" cy="3362780"/>
+            <a:ext cx="10826496" cy="2947282"/>
           </a:xfrm>
           <a:prstGeom prst="rect">
             <a:avLst/>
@@ -14251,17 +14254,9 @@
               <a:rPr lang="ko-KR" altLang="en-US" dirty="0"/>
               <a:t> </a:t>
             </a:r>
-            <a:endParaRPr lang="en-US" altLang="ko-KR" dirty="0"/>
-          </a:p>
-          <a:p>
-            <a:pPr>
-              <a:lnSpc>
-                <a:spcPct val="150000"/>
-              </a:lnSpc>
-            </a:pPr>
-            <a:r>
-              <a:rPr lang="en-US" altLang="ko-KR" dirty="0"/>
-              <a:t>                 {master</a:t>
+            <a:r>
+              <a:rPr lang="en-US" altLang="ko-KR" dirty="0"/>
+              <a:t>                          {master</a:t>
             </a:r>
             <a:r>
               <a:rPr lang="ko-KR" altLang="en-US" dirty="0"/>
@@ -14300,80 +14295,89 @@
           </a:p>
         </p:txBody>
       </p:sp>
-      <p:sp>
-        <p:nvSpPr>
-          <p:cNvPr id="2" name="TextBox 1">
+      <p:grpSp>
+        <p:nvGrpSpPr>
+          <p:cNvPr id="7" name="그룹 6">
             <a:extLst>
               <a:ext uri="{FF2B5EF4-FFF2-40B4-BE49-F238E27FC236}">
-                <a16:creationId xmlns:a16="http://schemas.microsoft.com/office/drawing/2014/main" id="{B35BAFF3-6B8A-4739-87ED-127FD6067CFE}"/>
+                <a16:creationId xmlns:a16="http://schemas.microsoft.com/office/drawing/2014/main" id="{42CE8ADB-B28E-4F28-AFF9-A0A731C1749B}"/>
               </a:ext>
             </a:extLst>
           </p:cNvPr>
-          <p:cNvSpPr txBox="1"/>
+          <p:cNvGrpSpPr/>
           <p:nvPr/>
-        </p:nvSpPr>
-        <p:spPr>
+        </p:nvGrpSpPr>
+        <p:grpSpPr>
           <a:xfrm>
-            <a:off x="7534656" y="0"/>
-            <a:ext cx="4657344" cy="646331"/>
+            <a:off x="3346704" y="2157984"/>
+            <a:ext cx="8851393" cy="4700016"/>
+            <a:chOff x="932687" y="439089"/>
+            <a:chExt cx="7893368" cy="4394863"/>
           </a:xfrm>
-          <a:prstGeom prst="rect">
-            <a:avLst/>
-          </a:prstGeom>
-          <a:noFill/>
-        </p:spPr>
-        <p:txBody>
-          <a:bodyPr wrap="square" rtlCol="0">
-            <a:spAutoFit/>
-          </a:bodyPr>
-          <a:lstStyle/>
-          <a:p>
-            <a:r>
-              <a:rPr lang="en-US" altLang="ko-KR" dirty="0"/>
-              <a:t>--------</a:t>
-            </a:r>
-            <a:r>
-              <a:rPr lang="ko-KR" altLang="en-US" dirty="0"/>
-              <a:t>도움이 되는 </a:t>
-            </a:r>
-            <a:r>
-              <a:rPr lang="en-US" altLang="ko-KR" dirty="0"/>
-              <a:t>git</a:t>
-            </a:r>
-            <a:r>
-              <a:rPr lang="ko-KR" altLang="en-US" dirty="0"/>
-              <a:t> 용어 정리</a:t>
-            </a:r>
-            <a:r>
-              <a:rPr lang="en-US" altLang="ko-KR" dirty="0"/>
-              <a:t>---------</a:t>
-            </a:r>
-          </a:p>
-          <a:p>
-            <a:r>
-              <a:rPr lang="en-US" altLang="ko-KR" dirty="0"/>
-              <a:t>ls : </a:t>
-            </a:r>
-            <a:r>
-              <a:rPr lang="ko-KR" altLang="en-US" dirty="0"/>
-              <a:t>해당</a:t>
-            </a:r>
-            <a:r>
-              <a:rPr lang="en-US" altLang="ko-KR" dirty="0"/>
-              <a:t> </a:t>
-            </a:r>
-            <a:r>
-              <a:rPr lang="ko-KR" altLang="en-US" dirty="0"/>
-              <a:t>폴더에 있는 다른 파일들을 확일</a:t>
-            </a:r>
-            <a:endParaRPr lang="en-US" altLang="ko-KR" dirty="0"/>
-          </a:p>
-        </p:txBody>
-      </p:sp>
+        </p:grpSpPr>
+        <p:pic>
+          <p:nvPicPr>
+            <p:cNvPr id="8" name="그림 7">
+              <a:extLst>
+                <a:ext uri="{FF2B5EF4-FFF2-40B4-BE49-F238E27FC236}">
+                  <a16:creationId xmlns:a16="http://schemas.microsoft.com/office/drawing/2014/main" id="{FE136705-B8BB-4A4F-8ABF-72DB1F8D2283}"/>
+                </a:ext>
+              </a:extLst>
+            </p:cNvPr>
+            <p:cNvPicPr>
+              <a:picLocks noChangeAspect="1"/>
+            </p:cNvPicPr>
+            <p:nvPr/>
+          </p:nvPicPr>
+          <p:blipFill rotWithShape="1">
+            <a:blip r:embed="rId2"/>
+            <a:srcRect b="75231"/>
+            <a:stretch/>
+          </p:blipFill>
+          <p:spPr>
+            <a:xfrm>
+              <a:off x="932688" y="439089"/>
+              <a:ext cx="7893367" cy="1481152"/>
+            </a:xfrm>
+            <a:prstGeom prst="rect">
+              <a:avLst/>
+            </a:prstGeom>
+          </p:spPr>
+        </p:pic>
+        <p:pic>
+          <p:nvPicPr>
+            <p:cNvPr id="9" name="그림 8">
+              <a:extLst>
+                <a:ext uri="{FF2B5EF4-FFF2-40B4-BE49-F238E27FC236}">
+                  <a16:creationId xmlns:a16="http://schemas.microsoft.com/office/drawing/2014/main" id="{763DA929-E592-424A-B0F4-0224A8C54B05}"/>
+                </a:ext>
+              </a:extLst>
+            </p:cNvPr>
+            <p:cNvPicPr>
+              <a:picLocks noChangeAspect="1"/>
+            </p:cNvPicPr>
+            <p:nvPr/>
+          </p:nvPicPr>
+          <p:blipFill rotWithShape="1">
+            <a:blip r:embed="rId2"/>
+            <a:srcRect t="51274"/>
+            <a:stretch/>
+          </p:blipFill>
+          <p:spPr>
+            <a:xfrm>
+              <a:off x="932687" y="1920241"/>
+              <a:ext cx="7893367" cy="2913711"/>
+            </a:xfrm>
+            <a:prstGeom prst="rect">
+              <a:avLst/>
+            </a:prstGeom>
+          </p:spPr>
+        </p:pic>
+      </p:grpSp>
     </p:spTree>
     <p:extLst>
       <p:ext uri="{BB962C8B-B14F-4D97-AF65-F5344CB8AC3E}">
-        <p14:creationId xmlns:p14="http://schemas.microsoft.com/office/powerpoint/2010/main" val="677680132"/>
+        <p14:creationId xmlns:p14="http://schemas.microsoft.com/office/powerpoint/2010/main" val="2475897770"/>
       </p:ext>
     </p:extLst>
   </p:cSld>
@@ -14433,7 +14437,7 @@
     </p:spTree>
     <p:extLst>
       <p:ext uri="{BB962C8B-B14F-4D97-AF65-F5344CB8AC3E}">
-        <p14:creationId xmlns:p14="http://schemas.microsoft.com/office/powerpoint/2010/main" val="3902341334"/>
+        <p14:creationId xmlns:p14="http://schemas.microsoft.com/office/powerpoint/2010/main" val="2777437093"/>
       </p:ext>
     </p:extLst>
   </p:cSld>
@@ -14444,6 +14448,318 @@
 </file>
 
 <file path=ppt/slides/slide34.xml><?xml version="1.0" encoding="utf-8"?>
+<p:sld xmlns:a="http://schemas.openxmlformats.org/drawingml/2006/main" xmlns:r="http://schemas.openxmlformats.org/officeDocument/2006/relationships" xmlns:p="http://schemas.openxmlformats.org/presentationml/2006/main">
+  <p:cSld>
+    <p:spTree>
+      <p:nvGrpSpPr>
+        <p:cNvPr id="1" name=""/>
+        <p:cNvGrpSpPr/>
+        <p:nvPr/>
+      </p:nvGrpSpPr>
+      <p:grpSpPr>
+        <a:xfrm>
+          <a:off x="0" y="0"/>
+          <a:ext cx="0" cy="0"/>
+          <a:chOff x="0" y="0"/>
+          <a:chExt cx="0" cy="0"/>
+        </a:xfrm>
+      </p:grpSpPr>
+      <p:sp>
+        <p:nvSpPr>
+          <p:cNvPr id="4" name="TextBox 3">
+            <a:extLst>
+              <a:ext uri="{FF2B5EF4-FFF2-40B4-BE49-F238E27FC236}">
+                <a16:creationId xmlns:a16="http://schemas.microsoft.com/office/drawing/2014/main" id="{55F62732-6D7D-4738-AB01-A744143BB518}"/>
+              </a:ext>
+            </a:extLst>
+          </p:cNvPr>
+          <p:cNvSpPr txBox="1"/>
+          <p:nvPr/>
+        </p:nvSpPr>
+        <p:spPr>
+          <a:xfrm>
+            <a:off x="128016" y="0"/>
+            <a:ext cx="10826496" cy="2947282"/>
+          </a:xfrm>
+          <a:prstGeom prst="rect">
+            <a:avLst/>
+          </a:prstGeom>
+          <a:noFill/>
+        </p:spPr>
+        <p:txBody>
+          <a:bodyPr wrap="square" rtlCol="0">
+            <a:spAutoFit/>
+          </a:bodyPr>
+          <a:lstStyle/>
+          <a:p>
+            <a:pPr>
+              <a:lnSpc>
+                <a:spcPct val="150000"/>
+              </a:lnSpc>
+            </a:pPr>
+            <a:r>
+              <a:rPr lang="en-US" altLang="ko-KR" dirty="0"/>
+              <a:t>-------------------Git</a:t>
+            </a:r>
+            <a:r>
+              <a:rPr lang="ko-KR" altLang="en-US" dirty="0"/>
+              <a:t> </a:t>
+            </a:r>
+            <a:r>
+              <a:rPr lang="en-US" altLang="ko-KR" dirty="0"/>
+              <a:t>hub</a:t>
+            </a:r>
+            <a:r>
+              <a:rPr lang="ko-KR" altLang="en-US" dirty="0"/>
+              <a:t>에서 파일 받아 변경 후 올리기</a:t>
+            </a:r>
+            <a:r>
+              <a:rPr lang="en-US" altLang="ko-KR" dirty="0"/>
+              <a:t>------------------------</a:t>
+            </a:r>
+          </a:p>
+          <a:p>
+            <a:pPr marL="342900" indent="-342900">
+              <a:lnSpc>
+                <a:spcPct val="150000"/>
+              </a:lnSpc>
+              <a:buAutoNum type="arabicPeriod"/>
+            </a:pPr>
+            <a:r>
+              <a:rPr lang="ko-KR" altLang="en-US" dirty="0"/>
+              <a:t>다운 받으려는 파일에 들어가서 </a:t>
+            </a:r>
+            <a:r>
+              <a:rPr lang="en-US" altLang="ko-KR" dirty="0"/>
+              <a:t>code</a:t>
+            </a:r>
+            <a:r>
+              <a:rPr lang="ko-KR" altLang="en-US" dirty="0"/>
+              <a:t>에서 </a:t>
+            </a:r>
+            <a:r>
+              <a:rPr lang="en-US" altLang="ko-KR" dirty="0"/>
+              <a:t>http </a:t>
+            </a:r>
+            <a:r>
+              <a:rPr lang="ko-KR" altLang="en-US" dirty="0"/>
+              <a:t>복사</a:t>
+            </a:r>
+            <a:endParaRPr lang="en-US" altLang="ko-KR" dirty="0"/>
+          </a:p>
+          <a:p>
+            <a:pPr marL="342900" indent="-342900">
+              <a:lnSpc>
+                <a:spcPct val="150000"/>
+              </a:lnSpc>
+              <a:buAutoNum type="arabicPeriod"/>
+            </a:pPr>
+            <a:r>
+              <a:rPr lang="en-US" altLang="ko-KR" dirty="0"/>
+              <a:t>Git clone </a:t>
+            </a:r>
+            <a:r>
+              <a:rPr lang="ko-KR" altLang="en-US" u="sng" dirty="0"/>
+              <a:t>복사한 </a:t>
+            </a:r>
+            <a:r>
+              <a:rPr lang="en-US" altLang="ko-KR" u="sng" dirty="0"/>
+              <a:t>http</a:t>
+            </a:r>
+          </a:p>
+          <a:p>
+            <a:pPr marL="342900" indent="-342900">
+              <a:lnSpc>
+                <a:spcPct val="150000"/>
+              </a:lnSpc>
+              <a:buAutoNum type="arabicPeriod"/>
+            </a:pPr>
+            <a:r>
+              <a:rPr lang="ko-KR" altLang="en-US" dirty="0"/>
+              <a:t>파일 변경 후 </a:t>
+            </a:r>
+            <a:r>
+              <a:rPr lang="en-US" altLang="ko-KR" dirty="0"/>
+              <a:t>&lt;Git</a:t>
+            </a:r>
+            <a:r>
+              <a:rPr lang="ko-KR" altLang="en-US" dirty="0"/>
+              <a:t>에 파일 업로드</a:t>
+            </a:r>
+            <a:r>
+              <a:rPr lang="en-US" altLang="ko-KR" dirty="0"/>
+              <a:t>(add/commit</a:t>
+            </a:r>
+            <a:r>
+              <a:rPr lang="ko-KR" altLang="en-US" dirty="0"/>
+              <a:t> </a:t>
+            </a:r>
+            <a:r>
+              <a:rPr lang="en-US" altLang="ko-KR" dirty="0"/>
+              <a:t>)&gt;</a:t>
+            </a:r>
+          </a:p>
+          <a:p>
+            <a:pPr marL="342900" indent="-342900">
+              <a:lnSpc>
+                <a:spcPct val="150000"/>
+              </a:lnSpc>
+              <a:buAutoNum type="arabicPeriod"/>
+            </a:pPr>
+            <a:r>
+              <a:rPr lang="en-US" altLang="ko-KR" dirty="0"/>
+              <a:t>Git push origin master            {</a:t>
+            </a:r>
+            <a:r>
+              <a:rPr lang="ko-KR" altLang="en-US" dirty="0"/>
+              <a:t>해당</a:t>
+            </a:r>
+            <a:r>
+              <a:rPr lang="en-US" altLang="ko-KR" dirty="0"/>
+              <a:t> </a:t>
+            </a:r>
+            <a:r>
+              <a:rPr lang="ko-KR" altLang="en-US" dirty="0"/>
+              <a:t>업로드 파일이 다시 </a:t>
+            </a:r>
+            <a:r>
+              <a:rPr lang="en-US" altLang="ko-KR" dirty="0"/>
+              <a:t>gut hub</a:t>
+            </a:r>
+            <a:r>
+              <a:rPr lang="ko-KR" altLang="en-US" dirty="0"/>
+              <a:t>로 올라감</a:t>
+            </a:r>
+            <a:r>
+              <a:rPr lang="en-US" altLang="ko-KR" dirty="0"/>
+              <a:t>.}</a:t>
+            </a:r>
+          </a:p>
+          <a:p>
+            <a:pPr marL="342900" indent="-342900">
+              <a:lnSpc>
+                <a:spcPct val="150000"/>
+              </a:lnSpc>
+              <a:buAutoNum type="arabicPeriod"/>
+            </a:pPr>
+            <a:r>
+              <a:rPr lang="ko-KR" altLang="en-US" dirty="0"/>
+              <a:t>원본 파일에서 </a:t>
+            </a:r>
+            <a:r>
+              <a:rPr lang="en-US" altLang="ko-KR" dirty="0"/>
+              <a:t>git</a:t>
+            </a:r>
+            <a:r>
+              <a:rPr lang="ko-KR" altLang="en-US" dirty="0"/>
+              <a:t>을 다시 켜 줌</a:t>
+            </a:r>
+            <a:endParaRPr lang="en-US" altLang="ko-KR" dirty="0"/>
+          </a:p>
+          <a:p>
+            <a:pPr marL="342900" indent="-342900">
+              <a:lnSpc>
+                <a:spcPct val="150000"/>
+              </a:lnSpc>
+              <a:buAutoNum type="arabicPeriod"/>
+            </a:pPr>
+            <a:r>
+              <a:rPr lang="en-US" altLang="ko-KR" dirty="0"/>
+              <a:t>Git pull origin master             {git</a:t>
+            </a:r>
+            <a:r>
+              <a:rPr lang="ko-KR" altLang="en-US" dirty="0"/>
+              <a:t>에 올려진 파일을 원본 </a:t>
+            </a:r>
+            <a:r>
+              <a:rPr lang="en-US" altLang="ko-KR" dirty="0"/>
+              <a:t>master </a:t>
+            </a:r>
+            <a:r>
+              <a:rPr lang="ko-KR" altLang="en-US" dirty="0"/>
+              <a:t>파일과 합침</a:t>
+            </a:r>
+            <a:r>
+              <a:rPr lang="en-US" altLang="ko-KR" dirty="0"/>
+              <a:t>}</a:t>
+            </a:r>
+          </a:p>
+        </p:txBody>
+      </p:sp>
+    </p:spTree>
+    <p:extLst>
+      <p:ext uri="{BB962C8B-B14F-4D97-AF65-F5344CB8AC3E}">
+        <p14:creationId xmlns:p14="http://schemas.microsoft.com/office/powerpoint/2010/main" val="2272203216"/>
+      </p:ext>
+    </p:extLst>
+  </p:cSld>
+  <p:clrMapOvr>
+    <a:masterClrMapping/>
+  </p:clrMapOvr>
+</p:sld>
+</file>
+
+<file path=ppt/slides/slide35.xml><?xml version="1.0" encoding="utf-8"?>
+<p:sld xmlns:a="http://schemas.openxmlformats.org/drawingml/2006/main" xmlns:r="http://schemas.openxmlformats.org/officeDocument/2006/relationships" xmlns:p="http://schemas.openxmlformats.org/presentationml/2006/main">
+  <p:cSld>
+    <p:spTree>
+      <p:nvGrpSpPr>
+        <p:cNvPr id="1" name=""/>
+        <p:cNvGrpSpPr/>
+        <p:nvPr/>
+      </p:nvGrpSpPr>
+      <p:grpSpPr>
+        <a:xfrm>
+          <a:off x="0" y="0"/>
+          <a:ext cx="0" cy="0"/>
+          <a:chOff x="0" y="0"/>
+          <a:chExt cx="0" cy="0"/>
+        </a:xfrm>
+      </p:grpSpPr>
+      <p:pic>
+        <p:nvPicPr>
+          <p:cNvPr id="9" name="그림 8">
+            <a:extLst>
+              <a:ext uri="{FF2B5EF4-FFF2-40B4-BE49-F238E27FC236}">
+                <a16:creationId xmlns:a16="http://schemas.microsoft.com/office/drawing/2014/main" id="{382CA553-A80B-4547-92CA-A6C870657F3F}"/>
+              </a:ext>
+            </a:extLst>
+          </p:cNvPr>
+          <p:cNvPicPr>
+            <a:picLocks noChangeAspect="1"/>
+          </p:cNvPicPr>
+          <p:nvPr/>
+        </p:nvPicPr>
+        <p:blipFill>
+          <a:blip r:embed="rId2"/>
+          <a:stretch>
+            <a:fillRect/>
+          </a:stretch>
+        </p:blipFill>
+        <p:spPr>
+          <a:xfrm>
+            <a:off x="942975" y="376237"/>
+            <a:ext cx="10306050" cy="6105525"/>
+          </a:xfrm>
+          <a:prstGeom prst="rect">
+            <a:avLst/>
+          </a:prstGeom>
+        </p:spPr>
+      </p:pic>
+    </p:spTree>
+    <p:extLst>
+      <p:ext uri="{BB962C8B-B14F-4D97-AF65-F5344CB8AC3E}">
+        <p14:creationId xmlns:p14="http://schemas.microsoft.com/office/powerpoint/2010/main" val="3637211488"/>
+      </p:ext>
+    </p:extLst>
+  </p:cSld>
+  <p:clrMapOvr>
+    <a:masterClrMapping/>
+  </p:clrMapOvr>
+</p:sld>
+</file>
+
+<file path=ppt/slides/slide36.xml><?xml version="1.0" encoding="utf-8"?>
 <p:sld xmlns:a="http://schemas.openxmlformats.org/drawingml/2006/main" xmlns:r="http://schemas.openxmlformats.org/officeDocument/2006/relationships" xmlns:p="http://schemas.openxmlformats.org/presentationml/2006/main">
   <p:cSld>
     <p:spTree>
@@ -14576,7 +14892,7 @@
     </p:spTree>
     <p:extLst>
       <p:ext uri="{BB962C8B-B14F-4D97-AF65-F5344CB8AC3E}">
-        <p14:creationId xmlns:p14="http://schemas.microsoft.com/office/powerpoint/2010/main" val="2057865336"/>
+        <p14:creationId xmlns:p14="http://schemas.microsoft.com/office/powerpoint/2010/main" val="1121536408"/>
       </p:ext>
     </p:extLst>
   </p:cSld>

--- a/know.pptx
+++ b/know.pptx
@@ -41,6 +41,9 @@
     <p:sldId id="294" r:id="rId35"/>
     <p:sldId id="295" r:id="rId36"/>
     <p:sldId id="296" r:id="rId37"/>
+    <p:sldId id="297" r:id="rId38"/>
+    <p:sldId id="298" r:id="rId39"/>
+    <p:sldId id="287" r:id="rId40"/>
   </p:sldIdLst>
   <p:sldSz cx="12192000" cy="6858000"/>
   <p:notesSz cx="6858000" cy="9144000"/>
@@ -14776,6 +14779,837 @@
           <a:chExt cx="0" cy="0"/>
         </a:xfrm>
       </p:grpSpPr>
+      <p:grpSp>
+        <p:nvGrpSpPr>
+          <p:cNvPr id="5" name="그룹 4">
+            <a:extLst>
+              <a:ext uri="{FF2B5EF4-FFF2-40B4-BE49-F238E27FC236}">
+                <a16:creationId xmlns:a16="http://schemas.microsoft.com/office/drawing/2014/main" id="{D1B5E2DA-CB15-46BE-8903-1D338FDE0A2E}"/>
+              </a:ext>
+            </a:extLst>
+          </p:cNvPr>
+          <p:cNvGrpSpPr/>
+          <p:nvPr/>
+        </p:nvGrpSpPr>
+        <p:grpSpPr>
+          <a:xfrm>
+            <a:off x="256032" y="-210312"/>
+            <a:ext cx="7662672" cy="7278624"/>
+            <a:chOff x="2157984" y="-382093"/>
+            <a:chExt cx="6700266" cy="5969077"/>
+          </a:xfrm>
+        </p:grpSpPr>
+        <p:pic>
+          <p:nvPicPr>
+            <p:cNvPr id="3" name="그림 2">
+              <a:extLst>
+                <a:ext uri="{FF2B5EF4-FFF2-40B4-BE49-F238E27FC236}">
+                  <a16:creationId xmlns:a16="http://schemas.microsoft.com/office/drawing/2014/main" id="{7C439B78-6DB9-48C4-B522-AB66CE26665E}"/>
+                </a:ext>
+              </a:extLst>
+            </p:cNvPr>
+            <p:cNvPicPr>
+              <a:picLocks noChangeAspect="1"/>
+            </p:cNvPicPr>
+            <p:nvPr/>
+          </p:nvPicPr>
+          <p:blipFill rotWithShape="1">
+            <a:blip r:embed="rId2"/>
+            <a:srcRect b="60453"/>
+            <a:stretch/>
+          </p:blipFill>
+          <p:spPr>
+            <a:xfrm>
+              <a:off x="2157984" y="-382093"/>
+              <a:ext cx="6700266" cy="2576653"/>
+            </a:xfrm>
+            <a:prstGeom prst="rect">
+              <a:avLst/>
+            </a:prstGeom>
+          </p:spPr>
+        </p:pic>
+        <p:pic>
+          <p:nvPicPr>
+            <p:cNvPr id="4" name="그림 3">
+              <a:extLst>
+                <a:ext uri="{FF2B5EF4-FFF2-40B4-BE49-F238E27FC236}">
+                  <a16:creationId xmlns:a16="http://schemas.microsoft.com/office/drawing/2014/main" id="{A41424D5-539D-4066-9A82-592D0C32BBBA}"/>
+                </a:ext>
+              </a:extLst>
+            </p:cNvPr>
+            <p:cNvPicPr>
+              <a:picLocks noChangeAspect="1"/>
+            </p:cNvPicPr>
+            <p:nvPr/>
+          </p:nvPicPr>
+          <p:blipFill rotWithShape="1">
+            <a:blip r:embed="rId2"/>
+            <a:srcRect t="47371"/>
+            <a:stretch/>
+          </p:blipFill>
+          <p:spPr>
+            <a:xfrm>
+              <a:off x="2157984" y="2157984"/>
+              <a:ext cx="6700266" cy="3429000"/>
+            </a:xfrm>
+            <a:prstGeom prst="rect">
+              <a:avLst/>
+            </a:prstGeom>
+          </p:spPr>
+        </p:pic>
+      </p:grpSp>
+      <p:sp>
+        <p:nvSpPr>
+          <p:cNvPr id="6" name="TextBox 5">
+            <a:extLst>
+              <a:ext uri="{FF2B5EF4-FFF2-40B4-BE49-F238E27FC236}">
+                <a16:creationId xmlns:a16="http://schemas.microsoft.com/office/drawing/2014/main" id="{E5408E9C-58C7-497C-A7A4-36BF33A17CEB}"/>
+              </a:ext>
+            </a:extLst>
+          </p:cNvPr>
+          <p:cNvSpPr txBox="1"/>
+          <p:nvPr/>
+        </p:nvSpPr>
+        <p:spPr>
+          <a:xfrm>
+            <a:off x="7918704" y="2365054"/>
+            <a:ext cx="4255008" cy="1477328"/>
+          </a:xfrm>
+          <a:prstGeom prst="rect">
+            <a:avLst/>
+          </a:prstGeom>
+          <a:noFill/>
+        </p:spPr>
+        <p:txBody>
+          <a:bodyPr wrap="square" rtlCol="0">
+            <a:spAutoFit/>
+          </a:bodyPr>
+          <a:lstStyle/>
+          <a:p>
+            <a:r>
+              <a:rPr lang="en-US" altLang="ko-KR" dirty="0"/>
+              <a:t>-----</a:t>
+            </a:r>
+            <a:r>
+              <a:rPr lang="ko-KR" altLang="en-US" dirty="0"/>
+              <a:t>도움이 되는 </a:t>
+            </a:r>
+            <a:r>
+              <a:rPr lang="en-US" altLang="ko-KR" dirty="0"/>
+              <a:t>git</a:t>
+            </a:r>
+            <a:r>
+              <a:rPr lang="ko-KR" altLang="en-US" dirty="0"/>
+              <a:t> 용어 정리</a:t>
+            </a:r>
+            <a:r>
+              <a:rPr lang="en-US" altLang="ko-KR" dirty="0"/>
+              <a:t>----</a:t>
+            </a:r>
+          </a:p>
+          <a:p>
+            <a:r>
+              <a:rPr lang="en-US" altLang="ko-KR" dirty="0"/>
+              <a:t>Cd : </a:t>
+            </a:r>
+            <a:r>
+              <a:rPr lang="ko-KR" altLang="en-US" dirty="0"/>
+              <a:t>파일 내에서 이동 명령어</a:t>
+            </a:r>
+            <a:endParaRPr lang="en-US" altLang="ko-KR" dirty="0"/>
+          </a:p>
+          <a:p>
+            <a:r>
+              <a:rPr lang="en-US" altLang="ko-KR" dirty="0"/>
+              <a:t>Cd</a:t>
+            </a:r>
+            <a:r>
+              <a:rPr lang="ko-KR" altLang="en-US" dirty="0"/>
+              <a:t> </a:t>
+            </a:r>
+            <a:r>
+              <a:rPr lang="en-US" altLang="ko-KR" dirty="0"/>
+              <a:t>..</a:t>
+            </a:r>
+            <a:r>
+              <a:rPr lang="ko-KR" altLang="en-US" dirty="0"/>
+              <a:t> </a:t>
+            </a:r>
+            <a:r>
+              <a:rPr lang="en-US" altLang="ko-KR" dirty="0"/>
+              <a:t>:</a:t>
+            </a:r>
+            <a:r>
+              <a:rPr lang="ko-KR" altLang="en-US" dirty="0"/>
+              <a:t>이전 파일로 나가기</a:t>
+            </a:r>
+            <a:endParaRPr lang="en-US" altLang="ko-KR" dirty="0"/>
+          </a:p>
+          <a:p>
+            <a:r>
+              <a:rPr lang="en-US" altLang="ko-KR" dirty="0"/>
+              <a:t>Cd </a:t>
+            </a:r>
+            <a:r>
+              <a:rPr lang="ko-KR" altLang="en-US" dirty="0"/>
+              <a:t>파일명 </a:t>
+            </a:r>
+            <a:r>
+              <a:rPr lang="en-US" altLang="ko-KR" dirty="0"/>
+              <a:t>: </a:t>
+            </a:r>
+            <a:r>
+              <a:rPr lang="ko-KR" altLang="en-US" dirty="0"/>
+              <a:t>해당 파일로 이동하기</a:t>
+            </a:r>
+            <a:endParaRPr lang="en-US" altLang="ko-KR" dirty="0"/>
+          </a:p>
+          <a:p>
+            <a:r>
+              <a:rPr lang="ko-KR" altLang="en-US" dirty="0"/>
+              <a:t>단</a:t>
+            </a:r>
+            <a:r>
+              <a:rPr lang="en-US" altLang="ko-KR" dirty="0"/>
+              <a:t>, </a:t>
+            </a:r>
+            <a:r>
+              <a:rPr lang="ko-KR" altLang="en-US" dirty="0"/>
+              <a:t>해당 영역에서 실존할 때만 가능</a:t>
+            </a:r>
+            <a:r>
+              <a:rPr lang="en-US" altLang="ko-KR" dirty="0"/>
+              <a:t>.</a:t>
+            </a:r>
+          </a:p>
+        </p:txBody>
+      </p:sp>
+      <p:sp>
+        <p:nvSpPr>
+          <p:cNvPr id="7" name="직사각형 6">
+            <a:extLst>
+              <a:ext uri="{FF2B5EF4-FFF2-40B4-BE49-F238E27FC236}">
+                <a16:creationId xmlns:a16="http://schemas.microsoft.com/office/drawing/2014/main" id="{6C8A4733-1027-4379-96A2-2DBDDF4404C0}"/>
+              </a:ext>
+            </a:extLst>
+          </p:cNvPr>
+          <p:cNvSpPr/>
+          <p:nvPr/>
+        </p:nvSpPr>
+        <p:spPr>
+          <a:xfrm>
+            <a:off x="4315968" y="2359152"/>
+            <a:ext cx="2048256" cy="1069848"/>
+          </a:xfrm>
+          <a:prstGeom prst="rect">
+            <a:avLst/>
+          </a:prstGeom>
+          <a:noFill/>
+          <a:ln>
+            <a:solidFill>
+              <a:schemeClr val="accent2"/>
+            </a:solidFill>
+          </a:ln>
+        </p:spPr>
+        <p:style>
+          <a:lnRef idx="2">
+            <a:schemeClr val="accent1">
+              <a:shade val="50000"/>
+            </a:schemeClr>
+          </a:lnRef>
+          <a:fillRef idx="1">
+            <a:schemeClr val="accent1"/>
+          </a:fillRef>
+          <a:effectRef idx="0">
+            <a:schemeClr val="accent1"/>
+          </a:effectRef>
+          <a:fontRef idx="minor">
+            <a:schemeClr val="lt1"/>
+          </a:fontRef>
+        </p:style>
+        <p:txBody>
+          <a:bodyPr rtlCol="0" anchor="ctr"/>
+          <a:lstStyle/>
+          <a:p>
+            <a:pPr algn="ctr"/>
+            <a:endParaRPr lang="ko-KR" altLang="en-US"/>
+          </a:p>
+        </p:txBody>
+      </p:sp>
+      <p:cxnSp>
+        <p:nvCxnSpPr>
+          <p:cNvPr id="9" name="직선 연결선 8">
+            <a:extLst>
+              <a:ext uri="{FF2B5EF4-FFF2-40B4-BE49-F238E27FC236}">
+                <a16:creationId xmlns:a16="http://schemas.microsoft.com/office/drawing/2014/main" id="{7B2FF22D-BD44-4020-8356-DDC891F623B8}"/>
+              </a:ext>
+            </a:extLst>
+          </p:cNvPr>
+          <p:cNvCxnSpPr/>
+          <p:nvPr/>
+        </p:nvCxnSpPr>
+        <p:spPr>
+          <a:xfrm>
+            <a:off x="438912" y="2813877"/>
+            <a:ext cx="1133856" cy="0"/>
+          </a:xfrm>
+          <a:prstGeom prst="line">
+            <a:avLst/>
+          </a:prstGeom>
+        </p:spPr>
+        <p:style>
+          <a:lnRef idx="1">
+            <a:schemeClr val="accent2"/>
+          </a:lnRef>
+          <a:fillRef idx="0">
+            <a:schemeClr val="accent2"/>
+          </a:fillRef>
+          <a:effectRef idx="0">
+            <a:schemeClr val="accent2"/>
+          </a:effectRef>
+          <a:fontRef idx="minor">
+            <a:schemeClr val="tx1"/>
+          </a:fontRef>
+        </p:style>
+      </p:cxnSp>
+    </p:spTree>
+    <p:extLst>
+      <p:ext uri="{BB962C8B-B14F-4D97-AF65-F5344CB8AC3E}">
+        <p14:creationId xmlns:p14="http://schemas.microsoft.com/office/powerpoint/2010/main" val="2630147830"/>
+      </p:ext>
+    </p:extLst>
+  </p:cSld>
+  <p:clrMapOvr>
+    <a:masterClrMapping/>
+  </p:clrMapOvr>
+</p:sld>
+</file>
+
+<file path=ppt/slides/slide37.xml><?xml version="1.0" encoding="utf-8"?>
+<p:sld xmlns:a="http://schemas.openxmlformats.org/drawingml/2006/main" xmlns:r="http://schemas.openxmlformats.org/officeDocument/2006/relationships" xmlns:p="http://schemas.openxmlformats.org/presentationml/2006/main">
+  <p:cSld>
+    <p:spTree>
+      <p:nvGrpSpPr>
+        <p:cNvPr id="1" name=""/>
+        <p:cNvGrpSpPr/>
+        <p:nvPr/>
+      </p:nvGrpSpPr>
+      <p:grpSpPr>
+        <a:xfrm>
+          <a:off x="0" y="0"/>
+          <a:ext cx="0" cy="0"/>
+          <a:chOff x="0" y="0"/>
+          <a:chExt cx="0" cy="0"/>
+        </a:xfrm>
+      </p:grpSpPr>
+      <p:pic>
+        <p:nvPicPr>
+          <p:cNvPr id="3" name="그림 2">
+            <a:extLst>
+              <a:ext uri="{FF2B5EF4-FFF2-40B4-BE49-F238E27FC236}">
+                <a16:creationId xmlns:a16="http://schemas.microsoft.com/office/drawing/2014/main" id="{977D10AB-F118-4C23-BC8C-F8563CA7E28F}"/>
+              </a:ext>
+            </a:extLst>
+          </p:cNvPr>
+          <p:cNvPicPr>
+            <a:picLocks noChangeAspect="1"/>
+          </p:cNvPicPr>
+          <p:nvPr/>
+        </p:nvPicPr>
+        <p:blipFill>
+          <a:blip r:embed="rId2"/>
+          <a:stretch>
+            <a:fillRect/>
+          </a:stretch>
+        </p:blipFill>
+        <p:spPr>
+          <a:xfrm>
+            <a:off x="539685" y="385762"/>
+            <a:ext cx="9821757" cy="4295966"/>
+          </a:xfrm>
+          <a:prstGeom prst="rect">
+            <a:avLst/>
+          </a:prstGeom>
+        </p:spPr>
+      </p:pic>
+      <p:cxnSp>
+        <p:nvCxnSpPr>
+          <p:cNvPr id="8" name="연결선: 꺾임 7">
+            <a:extLst>
+              <a:ext uri="{FF2B5EF4-FFF2-40B4-BE49-F238E27FC236}">
+                <a16:creationId xmlns:a16="http://schemas.microsoft.com/office/drawing/2014/main" id="{32112D1C-00F7-465B-8945-E6F14C3E8553}"/>
+              </a:ext>
+            </a:extLst>
+          </p:cNvPr>
+          <p:cNvCxnSpPr>
+            <a:cxnSpLocks/>
+          </p:cNvCxnSpPr>
+          <p:nvPr/>
+        </p:nvCxnSpPr>
+        <p:spPr>
+          <a:xfrm>
+            <a:off x="5724144" y="1408176"/>
+            <a:ext cx="5157216" cy="402336"/>
+          </a:xfrm>
+          <a:prstGeom prst="bentConnector3">
+            <a:avLst/>
+          </a:prstGeom>
+          <a:ln>
+            <a:tailEnd type="triangle"/>
+          </a:ln>
+        </p:spPr>
+        <p:style>
+          <a:lnRef idx="1">
+            <a:schemeClr val="accent2"/>
+          </a:lnRef>
+          <a:fillRef idx="0">
+            <a:schemeClr val="accent2"/>
+          </a:fillRef>
+          <a:effectRef idx="0">
+            <a:schemeClr val="accent2"/>
+          </a:effectRef>
+          <a:fontRef idx="minor">
+            <a:schemeClr val="tx1"/>
+          </a:fontRef>
+        </p:style>
+      </p:cxnSp>
+      <p:sp>
+        <p:nvSpPr>
+          <p:cNvPr id="10" name="TextBox 9">
+            <a:extLst>
+              <a:ext uri="{FF2B5EF4-FFF2-40B4-BE49-F238E27FC236}">
+                <a16:creationId xmlns:a16="http://schemas.microsoft.com/office/drawing/2014/main" id="{BF4D5805-5680-423C-BD7B-6EBD4558D248}"/>
+              </a:ext>
+            </a:extLst>
+          </p:cNvPr>
+          <p:cNvSpPr txBox="1"/>
+          <p:nvPr/>
+        </p:nvSpPr>
+        <p:spPr>
+          <a:xfrm>
+            <a:off x="10881360" y="1609344"/>
+            <a:ext cx="1189749" cy="369332"/>
+          </a:xfrm>
+          <a:prstGeom prst="rect">
+            <a:avLst/>
+          </a:prstGeom>
+          <a:noFill/>
+        </p:spPr>
+        <p:txBody>
+          <a:bodyPr wrap="none" rtlCol="0">
+            <a:spAutoFit/>
+          </a:bodyPr>
+          <a:lstStyle/>
+          <a:p>
+            <a:r>
+              <a:rPr lang="ko-KR" altLang="en-US" dirty="0"/>
+              <a:t>원본 파일</a:t>
+            </a:r>
+          </a:p>
+        </p:txBody>
+      </p:sp>
+      <p:sp>
+        <p:nvSpPr>
+          <p:cNvPr id="11" name="타원 10">
+            <a:extLst>
+              <a:ext uri="{FF2B5EF4-FFF2-40B4-BE49-F238E27FC236}">
+                <a16:creationId xmlns:a16="http://schemas.microsoft.com/office/drawing/2014/main" id="{703093B8-18C1-427E-B2C1-B717B06504E3}"/>
+              </a:ext>
+            </a:extLst>
+          </p:cNvPr>
+          <p:cNvSpPr/>
+          <p:nvPr/>
+        </p:nvSpPr>
+        <p:spPr>
+          <a:xfrm>
+            <a:off x="1243584" y="1261872"/>
+            <a:ext cx="568686" cy="402336"/>
+          </a:xfrm>
+          <a:prstGeom prst="ellipse">
+            <a:avLst/>
+          </a:prstGeom>
+          <a:noFill/>
+          <a:ln>
+            <a:solidFill>
+              <a:schemeClr val="accent2"/>
+            </a:solidFill>
+          </a:ln>
+        </p:spPr>
+        <p:style>
+          <a:lnRef idx="2">
+            <a:schemeClr val="accent1">
+              <a:shade val="50000"/>
+            </a:schemeClr>
+          </a:lnRef>
+          <a:fillRef idx="1">
+            <a:schemeClr val="accent1"/>
+          </a:fillRef>
+          <a:effectRef idx="0">
+            <a:schemeClr val="accent1"/>
+          </a:effectRef>
+          <a:fontRef idx="minor">
+            <a:schemeClr val="lt1"/>
+          </a:fontRef>
+        </p:style>
+        <p:txBody>
+          <a:bodyPr rtlCol="0" anchor="ctr"/>
+          <a:lstStyle/>
+          <a:p>
+            <a:pPr algn="ctr"/>
+            <a:endParaRPr lang="ko-KR" altLang="en-US"/>
+          </a:p>
+        </p:txBody>
+      </p:sp>
+    </p:spTree>
+    <p:extLst>
+      <p:ext uri="{BB962C8B-B14F-4D97-AF65-F5344CB8AC3E}">
+        <p14:creationId xmlns:p14="http://schemas.microsoft.com/office/powerpoint/2010/main" val="20875143"/>
+      </p:ext>
+    </p:extLst>
+  </p:cSld>
+  <p:clrMapOvr>
+    <a:masterClrMapping/>
+  </p:clrMapOvr>
+</p:sld>
+</file>
+
+<file path=ppt/slides/slide38.xml><?xml version="1.0" encoding="utf-8"?>
+<p:sld xmlns:a="http://schemas.openxmlformats.org/drawingml/2006/main" xmlns:r="http://schemas.openxmlformats.org/officeDocument/2006/relationships" xmlns:p="http://schemas.openxmlformats.org/presentationml/2006/main">
+  <p:cSld>
+    <p:spTree>
+      <p:nvGrpSpPr>
+        <p:cNvPr id="1" name=""/>
+        <p:cNvGrpSpPr/>
+        <p:nvPr/>
+      </p:nvGrpSpPr>
+      <p:grpSpPr>
+        <a:xfrm>
+          <a:off x="0" y="0"/>
+          <a:ext cx="0" cy="0"/>
+          <a:chOff x="0" y="0"/>
+          <a:chExt cx="0" cy="0"/>
+        </a:xfrm>
+      </p:grpSpPr>
+      <p:sp>
+        <p:nvSpPr>
+          <p:cNvPr id="4" name="TextBox 3">
+            <a:extLst>
+              <a:ext uri="{FF2B5EF4-FFF2-40B4-BE49-F238E27FC236}">
+                <a16:creationId xmlns:a16="http://schemas.microsoft.com/office/drawing/2014/main" id="{55F62732-6D7D-4738-AB01-A744143BB518}"/>
+              </a:ext>
+            </a:extLst>
+          </p:cNvPr>
+          <p:cNvSpPr txBox="1"/>
+          <p:nvPr/>
+        </p:nvSpPr>
+        <p:spPr>
+          <a:xfrm>
+            <a:off x="237744" y="0"/>
+            <a:ext cx="10826496" cy="4193777"/>
+          </a:xfrm>
+          <a:prstGeom prst="rect">
+            <a:avLst/>
+          </a:prstGeom>
+          <a:noFill/>
+        </p:spPr>
+        <p:txBody>
+          <a:bodyPr wrap="square" rtlCol="0">
+            <a:spAutoFit/>
+          </a:bodyPr>
+          <a:lstStyle/>
+          <a:p>
+            <a:pPr>
+              <a:lnSpc>
+                <a:spcPct val="150000"/>
+              </a:lnSpc>
+            </a:pPr>
+            <a:r>
+              <a:rPr lang="en-US" altLang="ko-KR" dirty="0"/>
+              <a:t>-------------------Git</a:t>
+            </a:r>
+            <a:r>
+              <a:rPr lang="ko-KR" altLang="en-US" dirty="0"/>
+              <a:t> </a:t>
+            </a:r>
+            <a:r>
+              <a:rPr lang="en-US" altLang="ko-KR" dirty="0"/>
+              <a:t>branch(</a:t>
+            </a:r>
+            <a:r>
+              <a:rPr lang="ko-KR" altLang="en-US" dirty="0"/>
+              <a:t>가지</a:t>
+            </a:r>
+            <a:r>
+              <a:rPr lang="en-US" altLang="ko-KR" dirty="0"/>
+              <a:t>) </a:t>
+            </a:r>
+            <a:r>
+              <a:rPr lang="ko-KR" altLang="en-US" dirty="0"/>
+              <a:t>나눠서 사용 후 업로드</a:t>
+            </a:r>
+            <a:r>
+              <a:rPr lang="en-US" altLang="ko-KR" dirty="0"/>
+              <a:t>------------------------</a:t>
+            </a:r>
+          </a:p>
+          <a:p>
+            <a:pPr marL="342900" indent="-342900">
+              <a:lnSpc>
+                <a:spcPct val="150000"/>
+              </a:lnSpc>
+              <a:buAutoNum type="arabicPeriod"/>
+            </a:pPr>
+            <a:r>
+              <a:rPr lang="en-US" altLang="ko-KR" dirty="0"/>
+              <a:t>Git</a:t>
+            </a:r>
+            <a:r>
+              <a:rPr lang="ko-KR" altLang="en-US" dirty="0"/>
+              <a:t> </a:t>
+            </a:r>
+            <a:r>
+              <a:rPr lang="en-US" altLang="ko-KR" dirty="0"/>
+              <a:t>branch</a:t>
+            </a:r>
+            <a:r>
+              <a:rPr lang="ko-KR" altLang="en-US" dirty="0"/>
+              <a:t> </a:t>
+            </a:r>
+            <a:r>
+              <a:rPr lang="ko-KR" altLang="en-US" u="sng" dirty="0"/>
+              <a:t>사용할 이름</a:t>
+            </a:r>
+            <a:endParaRPr lang="en-US" altLang="ko-KR" u="sng" dirty="0"/>
+          </a:p>
+          <a:p>
+            <a:pPr marL="342900" indent="-342900">
+              <a:lnSpc>
+                <a:spcPct val="150000"/>
+              </a:lnSpc>
+              <a:buAutoNum type="arabicPeriod"/>
+            </a:pPr>
+            <a:r>
+              <a:rPr lang="en-US" altLang="ko-KR" dirty="0"/>
+              <a:t>Git</a:t>
+            </a:r>
+            <a:r>
+              <a:rPr lang="ko-KR" altLang="en-US" dirty="0"/>
+              <a:t> </a:t>
+            </a:r>
+            <a:r>
+              <a:rPr lang="en-US" altLang="ko-KR" dirty="0"/>
+              <a:t>checkout </a:t>
+            </a:r>
+            <a:r>
+              <a:rPr lang="en-US" altLang="ko-KR" u="sng" dirty="0"/>
+              <a:t>branch</a:t>
+            </a:r>
+            <a:r>
+              <a:rPr lang="ko-KR" altLang="en-US" u="sng" dirty="0"/>
+              <a:t>이름  </a:t>
+            </a:r>
+            <a:endParaRPr lang="en-US" altLang="ko-KR" u="sng" dirty="0"/>
+          </a:p>
+          <a:p>
+            <a:pPr>
+              <a:lnSpc>
+                <a:spcPct val="150000"/>
+              </a:lnSpc>
+            </a:pPr>
+            <a:r>
+              <a:rPr lang="en-US" altLang="ko-KR" dirty="0"/>
+              <a:t>                       (</a:t>
+            </a:r>
+            <a:r>
+              <a:rPr lang="ko-KR" altLang="en-US" dirty="0"/>
+              <a:t>또는</a:t>
+            </a:r>
+            <a:r>
+              <a:rPr lang="en-US" altLang="ko-KR" dirty="0"/>
+              <a:t> 1</a:t>
+            </a:r>
+            <a:r>
+              <a:rPr lang="ko-KR" altLang="en-US" dirty="0"/>
+              <a:t>번 과정 없이 </a:t>
+            </a:r>
+            <a:r>
+              <a:rPr lang="en-US" altLang="ko-KR" dirty="0"/>
+              <a:t>git checkout –b </a:t>
+            </a:r>
+            <a:r>
+              <a:rPr lang="en-US" altLang="ko-KR" u="sng" dirty="0"/>
+              <a:t>branch</a:t>
+            </a:r>
+            <a:r>
+              <a:rPr lang="ko-KR" altLang="en-US" u="sng" dirty="0"/>
+              <a:t>이름</a:t>
+            </a:r>
+            <a:r>
+              <a:rPr lang="en-US" altLang="ko-KR" u="sng" dirty="0"/>
+              <a:t>)</a:t>
+            </a:r>
+            <a:r>
+              <a:rPr lang="ko-KR" altLang="en-US" u="sng" dirty="0"/>
+              <a:t> </a:t>
+            </a:r>
+            <a:endParaRPr lang="en-US" altLang="ko-KR" u="sng" dirty="0"/>
+          </a:p>
+          <a:p>
+            <a:pPr marL="342900" indent="-342900">
+              <a:lnSpc>
+                <a:spcPct val="150000"/>
+              </a:lnSpc>
+              <a:buFont typeface="+mj-lt"/>
+              <a:buAutoNum type="arabicPeriod" startAt="3"/>
+            </a:pPr>
+            <a:r>
+              <a:rPr lang="ko-KR" altLang="en-US" dirty="0"/>
+              <a:t>자료 수정</a:t>
+            </a:r>
+            <a:endParaRPr lang="en-US" altLang="ko-KR" dirty="0"/>
+          </a:p>
+          <a:p>
+            <a:pPr marL="342900" indent="-342900">
+              <a:lnSpc>
+                <a:spcPct val="150000"/>
+              </a:lnSpc>
+              <a:buAutoNum type="arabicPeriod" startAt="3"/>
+            </a:pPr>
+            <a:r>
+              <a:rPr lang="en-US" altLang="ko-KR" dirty="0"/>
+              <a:t>&lt;Git</a:t>
+            </a:r>
+            <a:r>
+              <a:rPr lang="ko-KR" altLang="en-US" dirty="0"/>
+              <a:t>에서 업로드</a:t>
+            </a:r>
+            <a:r>
+              <a:rPr lang="en-US" altLang="ko-KR" dirty="0"/>
+              <a:t>&gt;</a:t>
+            </a:r>
+          </a:p>
+          <a:p>
+            <a:pPr marL="342900" indent="-342900">
+              <a:lnSpc>
+                <a:spcPct val="150000"/>
+              </a:lnSpc>
+              <a:buAutoNum type="arabicPeriod" startAt="3"/>
+            </a:pPr>
+            <a:r>
+              <a:rPr lang="en-US" altLang="ko-KR" dirty="0"/>
+              <a:t>Git merge master</a:t>
+            </a:r>
+          </a:p>
+          <a:p>
+            <a:pPr>
+              <a:lnSpc>
+                <a:spcPct val="150000"/>
+              </a:lnSpc>
+            </a:pPr>
+            <a:r>
+              <a:rPr lang="ko-KR" altLang="en-US" dirty="0"/>
+              <a:t> 만약 순서상 중복이 있을 경우 </a:t>
+            </a:r>
+            <a:r>
+              <a:rPr lang="en-US" altLang="ko-KR" dirty="0"/>
+              <a:t>push</a:t>
+            </a:r>
+            <a:r>
+              <a:rPr lang="ko-KR" altLang="en-US" dirty="0"/>
+              <a:t>에서 오류</a:t>
+            </a:r>
+            <a:r>
+              <a:rPr lang="en-US" altLang="ko-KR" dirty="0"/>
+              <a:t>. </a:t>
+            </a:r>
+            <a:r>
+              <a:rPr lang="ko-KR" altLang="en-US" dirty="0"/>
+              <a:t>다시 변경 후 </a:t>
+            </a:r>
+            <a:r>
+              <a:rPr lang="en-US" altLang="ko-KR" dirty="0"/>
+              <a:t>4</a:t>
+            </a:r>
+            <a:r>
+              <a:rPr lang="ko-KR" altLang="en-US" dirty="0"/>
+              <a:t>번부터 다시 수행</a:t>
+            </a:r>
+            <a:endParaRPr lang="en-US" altLang="ko-KR" dirty="0"/>
+          </a:p>
+          <a:p>
+            <a:pPr marL="342900" indent="-342900">
+              <a:lnSpc>
+                <a:spcPct val="150000"/>
+              </a:lnSpc>
+              <a:buFont typeface="+mj-lt"/>
+              <a:buAutoNum type="arabicPeriod" startAt="6"/>
+            </a:pPr>
+            <a:r>
+              <a:rPr lang="en-US" altLang="ko-KR" dirty="0"/>
+              <a:t>Git</a:t>
+            </a:r>
+            <a:r>
+              <a:rPr lang="ko-KR" altLang="en-US" dirty="0"/>
+              <a:t> </a:t>
+            </a:r>
+            <a:r>
+              <a:rPr lang="en-US" altLang="ko-KR" dirty="0"/>
+              <a:t>checkout</a:t>
+            </a:r>
+            <a:r>
+              <a:rPr lang="ko-KR" altLang="en-US" dirty="0"/>
+              <a:t> </a:t>
+            </a:r>
+            <a:r>
+              <a:rPr lang="en-US" altLang="ko-KR" dirty="0"/>
+              <a:t>master</a:t>
+            </a:r>
+          </a:p>
+          <a:p>
+            <a:pPr marL="342900" indent="-342900">
+              <a:lnSpc>
+                <a:spcPct val="150000"/>
+              </a:lnSpc>
+              <a:buFont typeface="+mj-lt"/>
+              <a:buAutoNum type="arabicPeriod" startAt="6"/>
+            </a:pPr>
+            <a:r>
+              <a:rPr lang="en-US" altLang="ko-KR" dirty="0"/>
+              <a:t>Git push</a:t>
+            </a:r>
+          </a:p>
+        </p:txBody>
+      </p:sp>
+    </p:spTree>
+    <p:extLst>
+      <p:ext uri="{BB962C8B-B14F-4D97-AF65-F5344CB8AC3E}">
+        <p14:creationId xmlns:p14="http://schemas.microsoft.com/office/powerpoint/2010/main" val="435895976"/>
+      </p:ext>
+    </p:extLst>
+  </p:cSld>
+  <p:clrMapOvr>
+    <a:masterClrMapping/>
+  </p:clrMapOvr>
+</p:sld>
+</file>
+
+<file path=ppt/slides/slide39.xml><?xml version="1.0" encoding="utf-8"?>
+<p:sld xmlns:a="http://schemas.openxmlformats.org/drawingml/2006/main" xmlns:r="http://schemas.openxmlformats.org/officeDocument/2006/relationships" xmlns:p="http://schemas.openxmlformats.org/presentationml/2006/main">
+  <p:cSld>
+    <p:spTree>
+      <p:nvGrpSpPr>
+        <p:cNvPr id="1" name=""/>
+        <p:cNvGrpSpPr/>
+        <p:nvPr/>
+      </p:nvGrpSpPr>
+      <p:grpSpPr>
+        <a:xfrm>
+          <a:off x="0" y="0"/>
+          <a:ext cx="0" cy="0"/>
+          <a:chOff x="0" y="0"/>
+          <a:chExt cx="0" cy="0"/>
+        </a:xfrm>
+      </p:grpSpPr>
       <p:sp>
         <p:nvSpPr>
           <p:cNvPr id="2" name="TextBox 1">
@@ -14791,7 +15625,7 @@
         <p:spPr>
           <a:xfrm>
             <a:off x="0" y="42479"/>
-            <a:ext cx="12192000" cy="923330"/>
+            <a:ext cx="12192000" cy="6652142"/>
           </a:xfrm>
           <a:prstGeom prst="rect">
             <a:avLst/>
@@ -14804,6 +15638,11 @@
           </a:bodyPr>
           <a:lstStyle/>
           <a:p>
+            <a:pPr>
+              <a:lnSpc>
+                <a:spcPct val="200000"/>
+              </a:lnSpc>
+            </a:pPr>
             <a:r>
               <a:rPr lang="en-US" altLang="ko-KR" dirty="0"/>
               <a:t>--------</a:t>
@@ -14826,6 +15665,11 @@
             </a:r>
           </a:p>
           <a:p>
+            <a:pPr>
+              <a:lnSpc>
+                <a:spcPct val="200000"/>
+              </a:lnSpc>
+            </a:pPr>
             <a:r>
               <a:rPr lang="en-US" altLang="ko-KR" dirty="0"/>
               <a:t>ls : </a:t>
@@ -14845,6 +15689,11 @@
             <a:endParaRPr lang="en-US" altLang="ko-KR" dirty="0"/>
           </a:p>
           <a:p>
+            <a:pPr>
+              <a:lnSpc>
+                <a:spcPct val="200000"/>
+              </a:lnSpc>
+            </a:pPr>
             <a:r>
               <a:rPr lang="en-US" altLang="ko-KR" dirty="0"/>
               <a:t>Cat </a:t>
@@ -14883,7 +15732,241 @@
             </a:r>
             <a:r>
               <a:rPr lang="en-US" altLang="ko-KR" dirty="0"/>
-              <a:t>) </a:t>
+              <a:t>)</a:t>
+            </a:r>
+          </a:p>
+          <a:p>
+            <a:pPr>
+              <a:lnSpc>
+                <a:spcPct val="200000"/>
+              </a:lnSpc>
+            </a:pPr>
+            <a:r>
+              <a:rPr lang="en-US" altLang="ko-KR" dirty="0"/>
+              <a:t>Git</a:t>
+            </a:r>
+            <a:r>
+              <a:rPr lang="ko-KR" altLang="en-US" dirty="0"/>
+              <a:t> </a:t>
+            </a:r>
+            <a:r>
+              <a:rPr lang="en-US" altLang="ko-KR" dirty="0"/>
+              <a:t>log</a:t>
+            </a:r>
+            <a:r>
+              <a:rPr lang="ko-KR" altLang="en-US" dirty="0"/>
+              <a:t> </a:t>
+            </a:r>
+            <a:r>
+              <a:rPr lang="en-US" altLang="ko-KR" dirty="0"/>
+              <a:t>:</a:t>
+            </a:r>
+            <a:r>
+              <a:rPr lang="ko-KR" altLang="en-US" dirty="0"/>
+              <a:t> </a:t>
+            </a:r>
+            <a:r>
+              <a:rPr lang="en-US" altLang="ko-KR" dirty="0"/>
+              <a:t>add</a:t>
+            </a:r>
+            <a:r>
+              <a:rPr lang="ko-KR" altLang="en-US" dirty="0"/>
+              <a:t>한 파일 기록 확인</a:t>
+            </a:r>
+            <a:endParaRPr lang="en-US" altLang="ko-KR" dirty="0"/>
+          </a:p>
+          <a:p>
+            <a:pPr>
+              <a:lnSpc>
+                <a:spcPct val="200000"/>
+              </a:lnSpc>
+            </a:pPr>
+            <a:r>
+              <a:rPr lang="en-US" altLang="ko-KR" dirty="0"/>
+              <a:t>Cd : </a:t>
+            </a:r>
+            <a:r>
+              <a:rPr lang="ko-KR" altLang="en-US" dirty="0"/>
+              <a:t>파일 내에서 이동 명령어</a:t>
+            </a:r>
+            <a:endParaRPr lang="en-US" altLang="ko-KR" dirty="0"/>
+          </a:p>
+          <a:p>
+            <a:pPr>
+              <a:lnSpc>
+                <a:spcPct val="200000"/>
+              </a:lnSpc>
+            </a:pPr>
+            <a:r>
+              <a:rPr lang="en-US" altLang="ko-KR" dirty="0"/>
+              <a:t>  Cd</a:t>
+            </a:r>
+            <a:r>
+              <a:rPr lang="ko-KR" altLang="en-US" dirty="0"/>
+              <a:t> </a:t>
+            </a:r>
+            <a:r>
+              <a:rPr lang="en-US" altLang="ko-KR" dirty="0"/>
+              <a:t>..</a:t>
+            </a:r>
+            <a:r>
+              <a:rPr lang="ko-KR" altLang="en-US" dirty="0"/>
+              <a:t> </a:t>
+            </a:r>
+            <a:r>
+              <a:rPr lang="en-US" altLang="ko-KR" dirty="0"/>
+              <a:t>:</a:t>
+            </a:r>
+            <a:r>
+              <a:rPr lang="ko-KR" altLang="en-US" dirty="0"/>
+              <a:t>이전 파일로 나가기</a:t>
+            </a:r>
+            <a:endParaRPr lang="en-US" altLang="ko-KR" dirty="0"/>
+          </a:p>
+          <a:p>
+            <a:pPr>
+              <a:lnSpc>
+                <a:spcPct val="200000"/>
+              </a:lnSpc>
+            </a:pPr>
+            <a:r>
+              <a:rPr lang="en-US" altLang="ko-KR" dirty="0"/>
+              <a:t>  Cd </a:t>
+            </a:r>
+            <a:r>
+              <a:rPr lang="ko-KR" altLang="en-US" dirty="0"/>
+              <a:t>파일명 </a:t>
+            </a:r>
+            <a:r>
+              <a:rPr lang="en-US" altLang="ko-KR" dirty="0"/>
+              <a:t>: </a:t>
+            </a:r>
+            <a:r>
+              <a:rPr lang="ko-KR" altLang="en-US" dirty="0"/>
+              <a:t>해당 파일로 이동하기</a:t>
+            </a:r>
+            <a:endParaRPr lang="en-US" altLang="ko-KR" dirty="0"/>
+          </a:p>
+          <a:p>
+            <a:pPr>
+              <a:lnSpc>
+                <a:spcPct val="200000"/>
+              </a:lnSpc>
+            </a:pPr>
+            <a:r>
+              <a:rPr lang="ko-KR" altLang="en-US" dirty="0"/>
+              <a:t>  단</a:t>
+            </a:r>
+            <a:r>
+              <a:rPr lang="en-US" altLang="ko-KR" dirty="0"/>
+              <a:t>, </a:t>
+            </a:r>
+            <a:r>
+              <a:rPr lang="ko-KR" altLang="en-US" dirty="0"/>
+              <a:t>해당 영역에서 실존할 때만 가능</a:t>
+            </a:r>
+            <a:r>
+              <a:rPr lang="en-US" altLang="ko-KR" dirty="0"/>
+              <a:t>.</a:t>
+            </a:r>
+          </a:p>
+          <a:p>
+            <a:pPr>
+              <a:lnSpc>
+                <a:spcPct val="200000"/>
+              </a:lnSpc>
+            </a:pPr>
+            <a:r>
+              <a:rPr lang="en-US" altLang="ko-KR" dirty="0"/>
+              <a:t>Git</a:t>
+            </a:r>
+            <a:r>
+              <a:rPr lang="ko-KR" altLang="en-US" dirty="0"/>
+              <a:t> </a:t>
+            </a:r>
+            <a:r>
+              <a:rPr lang="en-US" altLang="ko-KR" dirty="0"/>
+              <a:t>branch : master</a:t>
+            </a:r>
+            <a:r>
+              <a:rPr lang="ko-KR" altLang="en-US" dirty="0"/>
+              <a:t>를 포함한 </a:t>
+            </a:r>
+            <a:r>
+              <a:rPr lang="en-US" altLang="ko-KR" dirty="0"/>
+              <a:t>branch</a:t>
+            </a:r>
+            <a:r>
+              <a:rPr lang="ko-KR" altLang="en-US" dirty="0"/>
+              <a:t>한 모든 명칭 불러오기</a:t>
+            </a:r>
+            <a:endParaRPr lang="en-US" altLang="ko-KR" dirty="0"/>
+          </a:p>
+          <a:p>
+            <a:pPr>
+              <a:lnSpc>
+                <a:spcPct val="200000"/>
+              </a:lnSpc>
+            </a:pPr>
+            <a:r>
+              <a:rPr lang="en-US" altLang="ko-KR" dirty="0"/>
+              <a:t>Echo</a:t>
+            </a:r>
+            <a:r>
+              <a:rPr lang="ko-KR" altLang="en-US" dirty="0"/>
+              <a:t> </a:t>
+            </a:r>
+            <a:r>
+              <a:rPr lang="en-US" altLang="ko-KR" u="sng" dirty="0"/>
+              <a:t>“</a:t>
+            </a:r>
+            <a:r>
+              <a:rPr lang="ko-KR" altLang="en-US" u="sng" dirty="0"/>
+              <a:t>쓰려는 내용</a:t>
+            </a:r>
+            <a:r>
+              <a:rPr lang="en-US" altLang="ko-KR" u="sng" dirty="0"/>
+              <a:t>” &gt;&gt; </a:t>
+            </a:r>
+            <a:r>
+              <a:rPr lang="ko-KR" altLang="en-US" u="sng" dirty="0"/>
+              <a:t>해당 파일명</a:t>
+            </a:r>
+            <a:r>
+              <a:rPr lang="en-US" altLang="ko-KR" dirty="0"/>
+              <a:t> :</a:t>
+            </a:r>
+            <a:r>
+              <a:rPr lang="en-US" altLang="ko-KR" u="sng" dirty="0"/>
+              <a:t> </a:t>
+            </a:r>
+            <a:r>
+              <a:rPr lang="ko-KR" altLang="en-US" dirty="0"/>
+              <a:t>자료에 들어가지 않고 바로 작성 가능</a:t>
+            </a:r>
+            <a:r>
+              <a:rPr lang="en-US" altLang="ko-KR" dirty="0"/>
+              <a:t>.</a:t>
+            </a:r>
+            <a:endParaRPr lang="en-US" altLang="ko-KR" u="sng" dirty="0"/>
+          </a:p>
+          <a:p>
+            <a:pPr>
+              <a:lnSpc>
+                <a:spcPct val="200000"/>
+              </a:lnSpc>
+            </a:pPr>
+            <a:endParaRPr lang="en-US" altLang="ko-KR" dirty="0"/>
+          </a:p>
+          <a:p>
+            <a:pPr>
+              <a:lnSpc>
+                <a:spcPct val="200000"/>
+              </a:lnSpc>
+            </a:pPr>
+            <a:r>
+              <a:rPr lang="en-US" altLang="ko-KR" dirty="0"/>
+              <a:t> </a:t>
             </a:r>
             <a:endParaRPr lang="ko-KR" altLang="en-US" dirty="0"/>
           </a:p>
@@ -14892,7 +15975,7 @@
     </p:spTree>
     <p:extLst>
       <p:ext uri="{BB962C8B-B14F-4D97-AF65-F5344CB8AC3E}">
-        <p14:creationId xmlns:p14="http://schemas.microsoft.com/office/powerpoint/2010/main" val="1121536408"/>
+        <p14:creationId xmlns:p14="http://schemas.microsoft.com/office/powerpoint/2010/main" val="2057865336"/>
       </p:ext>
     </p:extLst>
   </p:cSld>

--- a/know.pptx
+++ b/know.pptx
@@ -43,7 +43,9 @@
     <p:sldId id="296" r:id="rId37"/>
     <p:sldId id="297" r:id="rId38"/>
     <p:sldId id="298" r:id="rId39"/>
-    <p:sldId id="287" r:id="rId40"/>
+    <p:sldId id="299" r:id="rId40"/>
+    <p:sldId id="300" r:id="rId41"/>
+    <p:sldId id="287" r:id="rId42"/>
   </p:sldIdLst>
   <p:sldSz cx="12192000" cy="6858000"/>
   <p:notesSz cx="6858000" cy="9144000"/>
@@ -15493,12 +15495,54 @@
               <a:lnSpc>
                 <a:spcPct val="150000"/>
               </a:lnSpc>
+              <a:buFontTx/>
               <a:buAutoNum type="arabicPeriod" startAt="3"/>
             </a:pPr>
             <a:r>
               <a:rPr lang="en-US" altLang="ko-KR" dirty="0"/>
-              <a:t>Git merge master</a:t>
-            </a:r>
+              <a:t>Git</a:t>
+            </a:r>
+            <a:r>
+              <a:rPr lang="ko-KR" altLang="en-US" dirty="0"/>
+              <a:t> </a:t>
+            </a:r>
+            <a:r>
+              <a:rPr lang="en-US" altLang="ko-KR" dirty="0"/>
+              <a:t>checkout</a:t>
+            </a:r>
+            <a:r>
+              <a:rPr lang="ko-KR" altLang="en-US" dirty="0"/>
+              <a:t> </a:t>
+            </a:r>
+            <a:r>
+              <a:rPr lang="en-US" altLang="ko-KR" dirty="0"/>
+              <a:t>master</a:t>
+            </a:r>
+          </a:p>
+          <a:p>
+            <a:pPr marL="342900" indent="-342900">
+              <a:lnSpc>
+                <a:spcPct val="150000"/>
+              </a:lnSpc>
+              <a:buAutoNum type="arabicPeriod" startAt="3"/>
+            </a:pPr>
+            <a:r>
+              <a:rPr lang="en-US" altLang="ko-KR" dirty="0"/>
+              <a:t>Git merge </a:t>
+            </a:r>
+            <a:r>
+              <a:rPr lang="en-US" altLang="ko-KR" u="sng" dirty="0"/>
+              <a:t>branch</a:t>
+            </a:r>
+            <a:r>
+              <a:rPr lang="ko-KR" altLang="en-US" u="sng" dirty="0"/>
+              <a:t>이름</a:t>
+            </a:r>
+            <a:r>
+              <a:rPr lang="ko-KR" altLang="en-US" dirty="0"/>
+              <a:t> </a:t>
+            </a:r>
+            <a:endParaRPr lang="en-US" altLang="ko-KR" dirty="0"/>
           </a:p>
           <a:p>
             <a:pPr>
@@ -15507,8 +15551,12 @@
               </a:lnSpc>
             </a:pPr>
             <a:r>
-              <a:rPr lang="ko-KR" altLang="en-US" dirty="0"/>
-              <a:t> 만약 순서상 중복이 있을 경우 </a:t>
+              <a:rPr lang="en-US" altLang="ko-KR" dirty="0"/>
+              <a:t>  **</a:t>
+            </a:r>
+            <a:r>
+              <a:rPr lang="ko-KR" altLang="en-US" dirty="0"/>
+              <a:t>만약 순서상 중복이 있을 경우 </a:t>
             </a:r>
             <a:r>
               <a:rPr lang="en-US" altLang="ko-KR" dirty="0"/>
@@ -15534,7 +15582,10 @@
               <a:rPr lang="ko-KR" altLang="en-US" dirty="0"/>
               <a:t>번부터 다시 수행</a:t>
             </a:r>
-            <a:endParaRPr lang="en-US" altLang="ko-KR" dirty="0"/>
+            <a:r>
+              <a:rPr lang="en-US" altLang="ko-KR" dirty="0"/>
+              <a:t>**</a:t>
+            </a:r>
           </a:p>
           <a:p>
             <a:pPr marL="342900" indent="-342900">
@@ -15542,36 +15593,7 @@
                 <a:spcPct val="150000"/>
               </a:lnSpc>
               <a:buFont typeface="+mj-lt"/>
-              <a:buAutoNum type="arabicPeriod" startAt="6"/>
-            </a:pPr>
-            <a:r>
-              <a:rPr lang="en-US" altLang="ko-KR" dirty="0"/>
-              <a:t>Git</a:t>
-            </a:r>
-            <a:r>
-              <a:rPr lang="ko-KR" altLang="en-US" dirty="0"/>
-              <a:t> </a:t>
-            </a:r>
-            <a:r>
-              <a:rPr lang="en-US" altLang="ko-KR" dirty="0"/>
-              <a:t>checkout</a:t>
-            </a:r>
-            <a:r>
-              <a:rPr lang="ko-KR" altLang="en-US" dirty="0"/>
-              <a:t> </a:t>
-            </a:r>
-            <a:r>
-              <a:rPr lang="en-US" altLang="ko-KR" dirty="0"/>
-              <a:t>master</a:t>
-            </a:r>
-          </a:p>
-          <a:p>
-            <a:pPr marL="342900" indent="-342900">
-              <a:lnSpc>
-                <a:spcPct val="150000"/>
-              </a:lnSpc>
-              <a:buFont typeface="+mj-lt"/>
-              <a:buAutoNum type="arabicPeriod" startAt="6"/>
+              <a:buAutoNum type="arabicPeriod" startAt="7"/>
             </a:pPr>
             <a:r>
               <a:rPr lang="en-US" altLang="ko-KR" dirty="0"/>
@@ -15610,12 +15632,42 @@
           <a:chExt cx="0" cy="0"/>
         </a:xfrm>
       </p:grpSpPr>
+      <p:pic>
+        <p:nvPicPr>
+          <p:cNvPr id="3" name="그림 2">
+            <a:extLst>
+              <a:ext uri="{FF2B5EF4-FFF2-40B4-BE49-F238E27FC236}">
+                <a16:creationId xmlns:a16="http://schemas.microsoft.com/office/drawing/2014/main" id="{C6EF3895-5F41-4DB5-8FF7-A4BBF9EE19B9}"/>
+              </a:ext>
+            </a:extLst>
+          </p:cNvPr>
+          <p:cNvPicPr>
+            <a:picLocks noChangeAspect="1"/>
+          </p:cNvPicPr>
+          <p:nvPr/>
+        </p:nvPicPr>
+        <p:blipFill>
+          <a:blip r:embed="rId2"/>
+          <a:stretch>
+            <a:fillRect/>
+          </a:stretch>
+        </p:blipFill>
+        <p:spPr>
+          <a:xfrm>
+            <a:off x="13958" y="384243"/>
+            <a:ext cx="8638797" cy="6089513"/>
+          </a:xfrm>
+          <a:prstGeom prst="rect">
+            <a:avLst/>
+          </a:prstGeom>
+        </p:spPr>
+      </p:pic>
       <p:sp>
         <p:nvSpPr>
-          <p:cNvPr id="2" name="TextBox 1">
+          <p:cNvPr id="7" name="TextBox 6">
             <a:extLst>
               <a:ext uri="{FF2B5EF4-FFF2-40B4-BE49-F238E27FC236}">
-                <a16:creationId xmlns:a16="http://schemas.microsoft.com/office/drawing/2014/main" id="{39A990B4-7AF1-4DC5-BECA-634C14F7D50A}"/>
+                <a16:creationId xmlns:a16="http://schemas.microsoft.com/office/drawing/2014/main" id="{DF7ACE8A-7394-4C1B-8297-645B8B81A726}"/>
               </a:ext>
             </a:extLst>
           </p:cNvPr>
@@ -15624,8 +15676,8 @@
         </p:nvSpPr>
         <p:spPr>
           <a:xfrm>
-            <a:off x="0" y="42479"/>
-            <a:ext cx="12192000" cy="6652142"/>
+            <a:off x="8808396" y="1183364"/>
+            <a:ext cx="6099242" cy="454292"/>
           </a:xfrm>
           <a:prstGeom prst="rect">
             <a:avLst/>
@@ -15633,349 +15685,311 @@
           <a:noFill/>
         </p:spPr>
         <p:txBody>
-          <a:bodyPr wrap="square" rtlCol="0">
+          <a:bodyPr wrap="square">
             <a:spAutoFit/>
           </a:bodyPr>
           <a:lstStyle/>
           <a:p>
-            <a:pPr>
-              <a:lnSpc>
-                <a:spcPct val="200000"/>
-              </a:lnSpc>
-            </a:pPr>
-            <a:r>
-              <a:rPr lang="en-US" altLang="ko-KR" dirty="0"/>
-              <a:t>--------</a:t>
-            </a:r>
-            <a:r>
-              <a:rPr lang="ko-KR" altLang="en-US" dirty="0"/>
-              <a:t>도움이 되는 </a:t>
-            </a:r>
-            <a:r>
-              <a:rPr lang="en-US" altLang="ko-KR" dirty="0"/>
-              <a:t>git</a:t>
-            </a:r>
-            <a:r>
-              <a:rPr lang="ko-KR" altLang="en-US" dirty="0"/>
-              <a:t> 용어 정리</a:t>
-            </a:r>
-            <a:r>
-              <a:rPr lang="en-US" altLang="ko-KR" dirty="0"/>
-              <a:t>---------</a:t>
-            </a:r>
-          </a:p>
-          <a:p>
-            <a:pPr>
-              <a:lnSpc>
-                <a:spcPct val="200000"/>
-              </a:lnSpc>
-            </a:pPr>
-            <a:r>
-              <a:rPr lang="en-US" altLang="ko-KR" dirty="0"/>
-              <a:t>ls : </a:t>
-            </a:r>
-            <a:r>
-              <a:rPr lang="ko-KR" altLang="en-US" dirty="0"/>
-              <a:t>해당</a:t>
-            </a:r>
-            <a:r>
-              <a:rPr lang="en-US" altLang="ko-KR" dirty="0"/>
+            <a:pPr marL="342900" indent="-342900">
+              <a:lnSpc>
+                <a:spcPct val="150000"/>
+              </a:lnSpc>
+              <a:buAutoNum type="arabicPeriod"/>
+            </a:pPr>
+            <a:r>
+              <a:rPr lang="en-US" altLang="ko-KR" dirty="0"/>
+              <a:t>Git</a:t>
+            </a:r>
+            <a:r>
+              <a:rPr lang="ko-KR" altLang="en-US" dirty="0"/>
               <a:t> </a:t>
             </a:r>
             <a:r>
-              <a:rPr lang="ko-KR" altLang="en-US" dirty="0"/>
-              <a:t>폴더에 있는 다른 파일들을 확일</a:t>
-            </a:r>
-            <a:endParaRPr lang="en-US" altLang="ko-KR" dirty="0"/>
-          </a:p>
-          <a:p>
-            <a:pPr>
-              <a:lnSpc>
-                <a:spcPct val="200000"/>
-              </a:lnSpc>
-            </a:pPr>
-            <a:r>
-              <a:rPr lang="en-US" altLang="ko-KR" dirty="0"/>
-              <a:t>Cat </a:t>
+              <a:rPr lang="en-US" altLang="ko-KR" dirty="0"/>
+              <a:t>branch</a:t>
+            </a:r>
+            <a:r>
+              <a:rPr lang="ko-KR" altLang="en-US" dirty="0"/>
+              <a:t> </a:t>
             </a:r>
             <a:r>
               <a:rPr lang="ko-KR" altLang="en-US" u="sng" dirty="0"/>
-              <a:t>파일명</a:t>
-            </a:r>
-            <a:r>
-              <a:rPr lang="ko-KR" altLang="en-US" dirty="0"/>
-              <a:t>  </a:t>
-            </a:r>
-            <a:r>
-              <a:rPr lang="en-US" altLang="ko-KR" dirty="0"/>
-              <a:t>:  </a:t>
-            </a:r>
-            <a:r>
-              <a:rPr lang="ko-KR" altLang="en-US" dirty="0"/>
-              <a:t>해당 파일의 내용을 읽을 수 있음</a:t>
-            </a:r>
-            <a:r>
-              <a:rPr lang="en-US" altLang="ko-KR" dirty="0"/>
-              <a:t>.(</a:t>
-            </a:r>
-            <a:r>
-              <a:rPr lang="ko-KR" altLang="en-US" dirty="0"/>
-              <a:t>단</a:t>
-            </a:r>
-            <a:r>
-              <a:rPr lang="en-US" altLang="ko-KR" dirty="0"/>
-              <a:t>, </a:t>
-            </a:r>
-            <a:r>
-              <a:rPr lang="ko-KR" altLang="en-US" dirty="0"/>
-              <a:t>깨져 나올 수 있음</a:t>
-            </a:r>
-            <a:r>
-              <a:rPr lang="en-US" altLang="ko-KR" dirty="0"/>
-              <a:t>)</a:t>
-            </a:r>
-          </a:p>
-          <a:p>
-            <a:pPr>
-              <a:lnSpc>
-                <a:spcPct val="200000"/>
-              </a:lnSpc>
-            </a:pPr>
-            <a:r>
-              <a:rPr lang="en-US" altLang="ko-KR" dirty="0"/>
-              <a:t>Git</a:t>
-            </a:r>
-            <a:r>
-              <a:rPr lang="ko-KR" altLang="en-US" dirty="0"/>
-              <a:t> </a:t>
-            </a:r>
-            <a:r>
-              <a:rPr lang="en-US" altLang="ko-KR" dirty="0"/>
-              <a:t>log</a:t>
-            </a:r>
-            <a:r>
-              <a:rPr lang="ko-KR" altLang="en-US" dirty="0"/>
-              <a:t> </a:t>
-            </a:r>
-            <a:r>
-              <a:rPr lang="en-US" altLang="ko-KR" dirty="0"/>
-              <a:t>:</a:t>
-            </a:r>
-            <a:r>
-              <a:rPr lang="ko-KR" altLang="en-US" dirty="0"/>
-              <a:t> </a:t>
-            </a:r>
-            <a:r>
-              <a:rPr lang="en-US" altLang="ko-KR" dirty="0"/>
-              <a:t>add</a:t>
-            </a:r>
-            <a:r>
-              <a:rPr lang="ko-KR" altLang="en-US" dirty="0"/>
-              <a:t>한 파일 기록 확인</a:t>
-            </a:r>
-            <a:endParaRPr lang="en-US" altLang="ko-KR" dirty="0"/>
-          </a:p>
-          <a:p>
-            <a:pPr>
-              <a:lnSpc>
-                <a:spcPct val="200000"/>
-              </a:lnSpc>
-            </a:pPr>
-            <a:r>
-              <a:rPr lang="en-US" altLang="ko-KR" dirty="0"/>
-              <a:t>Cd : </a:t>
-            </a:r>
-            <a:r>
-              <a:rPr lang="ko-KR" altLang="en-US" dirty="0"/>
-              <a:t>파일 내에서 이동 명령어</a:t>
-            </a:r>
-            <a:endParaRPr lang="en-US" altLang="ko-KR" dirty="0"/>
-          </a:p>
-          <a:p>
-            <a:pPr>
-              <a:lnSpc>
-                <a:spcPct val="200000"/>
-              </a:lnSpc>
-            </a:pPr>
-            <a:r>
-              <a:rPr lang="en-US" altLang="ko-KR" dirty="0"/>
-              <a:t>  Cd</a:t>
-            </a:r>
-            <a:r>
-              <a:rPr lang="ko-KR" altLang="en-US" dirty="0"/>
-              <a:t> </a:t>
-            </a:r>
-            <a:r>
-              <a:rPr lang="en-US" altLang="ko-KR" dirty="0"/>
-              <a:t>..</a:t>
-            </a:r>
-            <a:r>
-              <a:rPr lang="ko-KR" altLang="en-US" dirty="0"/>
-              <a:t> </a:t>
-            </a:r>
-            <a:r>
-              <a:rPr lang="en-US" altLang="ko-KR" dirty="0"/>
-              <a:t>:</a:t>
-            </a:r>
-            <a:r>
-              <a:rPr lang="ko-KR" altLang="en-US" dirty="0"/>
-              <a:t>이전 파일로 나가기</a:t>
-            </a:r>
-            <a:endParaRPr lang="en-US" altLang="ko-KR" dirty="0"/>
-          </a:p>
-          <a:p>
-            <a:pPr>
-              <a:lnSpc>
-                <a:spcPct val="200000"/>
-              </a:lnSpc>
-            </a:pPr>
-            <a:r>
-              <a:rPr lang="en-US" altLang="ko-KR" dirty="0"/>
-              <a:t>  Cd </a:t>
-            </a:r>
-            <a:r>
-              <a:rPr lang="ko-KR" altLang="en-US" dirty="0"/>
-              <a:t>파일명 </a:t>
-            </a:r>
-            <a:r>
-              <a:rPr lang="en-US" altLang="ko-KR" dirty="0"/>
-              <a:t>: </a:t>
-            </a:r>
-            <a:r>
-              <a:rPr lang="ko-KR" altLang="en-US" dirty="0"/>
-              <a:t>해당 파일로 이동하기</a:t>
-            </a:r>
-            <a:endParaRPr lang="en-US" altLang="ko-KR" dirty="0"/>
-          </a:p>
-          <a:p>
-            <a:pPr>
-              <a:lnSpc>
-                <a:spcPct val="200000"/>
-              </a:lnSpc>
-            </a:pPr>
-            <a:r>
-              <a:rPr lang="ko-KR" altLang="en-US" dirty="0"/>
-              <a:t>  단</a:t>
-            </a:r>
-            <a:r>
-              <a:rPr lang="en-US" altLang="ko-KR" dirty="0"/>
-              <a:t>, </a:t>
-            </a:r>
-            <a:r>
-              <a:rPr lang="ko-KR" altLang="en-US" dirty="0"/>
-              <a:t>해당 영역에서 실존할 때만 가능</a:t>
-            </a:r>
-            <a:r>
-              <a:rPr lang="en-US" altLang="ko-KR" dirty="0"/>
-              <a:t>.</a:t>
-            </a:r>
-          </a:p>
-          <a:p>
-            <a:pPr>
-              <a:lnSpc>
-                <a:spcPct val="200000"/>
-              </a:lnSpc>
-            </a:pPr>
-            <a:r>
-              <a:rPr lang="en-US" altLang="ko-KR" dirty="0"/>
-              <a:t>Git</a:t>
-            </a:r>
-            <a:r>
-              <a:rPr lang="ko-KR" altLang="en-US" dirty="0"/>
-              <a:t> </a:t>
-            </a:r>
-            <a:r>
-              <a:rPr lang="en-US" altLang="ko-KR" dirty="0"/>
-              <a:t>branch : master</a:t>
-            </a:r>
-            <a:r>
-              <a:rPr lang="ko-KR" altLang="en-US" dirty="0"/>
-              <a:t>를 포함한 </a:t>
-            </a:r>
-            <a:r>
-              <a:rPr lang="en-US" altLang="ko-KR" dirty="0"/>
-              <a:t>branch</a:t>
-            </a:r>
-            <a:r>
-              <a:rPr lang="ko-KR" altLang="en-US" dirty="0"/>
-              <a:t>한 모든 명칭 불러오기</a:t>
-            </a:r>
-            <a:endParaRPr lang="en-US" altLang="ko-KR" dirty="0"/>
-          </a:p>
-          <a:p>
-            <a:pPr>
-              <a:lnSpc>
-                <a:spcPct val="200000"/>
-              </a:lnSpc>
-            </a:pPr>
-            <a:r>
-              <a:rPr lang="en-US" altLang="ko-KR" dirty="0"/>
-              <a:t>Echo</a:t>
-            </a:r>
-            <a:r>
-              <a:rPr lang="ko-KR" altLang="en-US" dirty="0"/>
-              <a:t> </a:t>
-            </a:r>
-            <a:r>
-              <a:rPr lang="en-US" altLang="ko-KR" u="sng" dirty="0"/>
-              <a:t>“</a:t>
-            </a:r>
-            <a:r>
-              <a:rPr lang="ko-KR" altLang="en-US" u="sng" dirty="0"/>
-              <a:t>쓰려는 내용</a:t>
-            </a:r>
-            <a:r>
-              <a:rPr lang="en-US" altLang="ko-KR" u="sng" dirty="0"/>
-              <a:t>” &gt;&gt; </a:t>
-            </a:r>
-            <a:r>
-              <a:rPr lang="ko-KR" altLang="en-US" u="sng" dirty="0"/>
-              <a:t>해당 파일명</a:t>
-            </a:r>
-            <a:r>
-              <a:rPr lang="en-US" altLang="ko-KR" dirty="0"/>
-              <a:t> :</a:t>
-            </a:r>
-            <a:r>
-              <a:rPr lang="en-US" altLang="ko-KR" u="sng" dirty="0"/>
-              <a:t> </a:t>
-            </a:r>
-            <a:r>
-              <a:rPr lang="ko-KR" altLang="en-US" dirty="0"/>
-              <a:t>자료에 들어가지 않고 바로 작성 가능</a:t>
-            </a:r>
-            <a:r>
-              <a:rPr lang="en-US" altLang="ko-KR" dirty="0"/>
-              <a:t>.</a:t>
+              <a:t>사용할 이름</a:t>
             </a:r>
             <a:endParaRPr lang="en-US" altLang="ko-KR" u="sng" dirty="0"/>
-          </a:p>
-          <a:p>
-            <a:pPr>
-              <a:lnSpc>
-                <a:spcPct val="200000"/>
-              </a:lnSpc>
-            </a:pPr>
-            <a:endParaRPr lang="en-US" altLang="ko-KR" dirty="0"/>
-          </a:p>
-          <a:p>
-            <a:pPr>
-              <a:lnSpc>
-                <a:spcPct val="200000"/>
-              </a:lnSpc>
-            </a:pPr>
-            <a:r>
-              <a:rPr lang="en-US" altLang="ko-KR" dirty="0"/>
-              <a:t> </a:t>
-            </a:r>
-            <a:endParaRPr lang="ko-KR" altLang="en-US" dirty="0"/>
           </a:p>
         </p:txBody>
       </p:sp>
+      <p:cxnSp>
+        <p:nvCxnSpPr>
+          <p:cNvPr id="9" name="직선 화살표 연결선 8">
+            <a:extLst>
+              <a:ext uri="{FF2B5EF4-FFF2-40B4-BE49-F238E27FC236}">
+                <a16:creationId xmlns:a16="http://schemas.microsoft.com/office/drawing/2014/main" id="{A613414D-E2E7-4A6F-A455-8CFFF6462969}"/>
+              </a:ext>
+            </a:extLst>
+          </p:cNvPr>
+          <p:cNvCxnSpPr/>
+          <p:nvPr/>
+        </p:nvCxnSpPr>
+        <p:spPr>
+          <a:xfrm>
+            <a:off x="272374" y="1637656"/>
+            <a:ext cx="8536022" cy="0"/>
+          </a:xfrm>
+          <a:prstGeom prst="straightConnector1">
+            <a:avLst/>
+          </a:prstGeom>
+          <a:ln>
+            <a:tailEnd type="triangle"/>
+          </a:ln>
+        </p:spPr>
+        <p:style>
+          <a:lnRef idx="1">
+            <a:schemeClr val="accent1"/>
+          </a:lnRef>
+          <a:fillRef idx="0">
+            <a:schemeClr val="accent1"/>
+          </a:fillRef>
+          <a:effectRef idx="0">
+            <a:schemeClr val="accent1"/>
+          </a:effectRef>
+          <a:fontRef idx="minor">
+            <a:schemeClr val="tx1"/>
+          </a:fontRef>
+        </p:style>
+      </p:cxnSp>
+      <p:cxnSp>
+        <p:nvCxnSpPr>
+          <p:cNvPr id="11" name="직선 화살표 연결선 10">
+            <a:extLst>
+              <a:ext uri="{FF2B5EF4-FFF2-40B4-BE49-F238E27FC236}">
+                <a16:creationId xmlns:a16="http://schemas.microsoft.com/office/drawing/2014/main" id="{39165982-6C22-4C3A-9C1E-6DC1317341CB}"/>
+              </a:ext>
+            </a:extLst>
+          </p:cNvPr>
+          <p:cNvCxnSpPr/>
+          <p:nvPr/>
+        </p:nvCxnSpPr>
+        <p:spPr>
+          <a:xfrm>
+            <a:off x="272374" y="2256817"/>
+            <a:ext cx="8696528" cy="0"/>
+          </a:xfrm>
+          <a:prstGeom prst="straightConnector1">
+            <a:avLst/>
+          </a:prstGeom>
+          <a:ln>
+            <a:tailEnd type="triangle"/>
+          </a:ln>
+        </p:spPr>
+        <p:style>
+          <a:lnRef idx="1">
+            <a:schemeClr val="accent1"/>
+          </a:lnRef>
+          <a:fillRef idx="0">
+            <a:schemeClr val="accent1"/>
+          </a:fillRef>
+          <a:effectRef idx="0">
+            <a:schemeClr val="accent1"/>
+          </a:effectRef>
+          <a:fontRef idx="minor">
+            <a:schemeClr val="tx1"/>
+          </a:fontRef>
+        </p:style>
+      </p:cxnSp>
+      <p:sp>
+        <p:nvSpPr>
+          <p:cNvPr id="13" name="TextBox 12">
+            <a:extLst>
+              <a:ext uri="{FF2B5EF4-FFF2-40B4-BE49-F238E27FC236}">
+                <a16:creationId xmlns:a16="http://schemas.microsoft.com/office/drawing/2014/main" id="{9A3BCE4A-B6BA-410D-BE45-5D740B44E94E}"/>
+              </a:ext>
+            </a:extLst>
+          </p:cNvPr>
+          <p:cNvSpPr txBox="1"/>
+          <p:nvPr/>
+        </p:nvSpPr>
+        <p:spPr>
+          <a:xfrm>
+            <a:off x="8968902" y="2065284"/>
+            <a:ext cx="3223098" cy="646331"/>
+          </a:xfrm>
+          <a:prstGeom prst="rect">
+            <a:avLst/>
+          </a:prstGeom>
+          <a:noFill/>
+        </p:spPr>
+        <p:txBody>
+          <a:bodyPr wrap="square">
+            <a:spAutoFit/>
+          </a:bodyPr>
+          <a:lstStyle/>
+          <a:p>
+            <a:r>
+              <a:rPr lang="en-US" altLang="ko-KR" dirty="0"/>
+              <a:t>Git</a:t>
+            </a:r>
+            <a:r>
+              <a:rPr lang="ko-KR" altLang="en-US" dirty="0"/>
+              <a:t> </a:t>
+            </a:r>
+            <a:r>
+              <a:rPr lang="en-US" altLang="ko-KR" dirty="0"/>
+              <a:t>branch : master</a:t>
+            </a:r>
+            <a:r>
+              <a:rPr lang="ko-KR" altLang="en-US" dirty="0"/>
+              <a:t>를 포함한 </a:t>
+            </a:r>
+            <a:r>
+              <a:rPr lang="en-US" altLang="ko-KR" dirty="0"/>
+              <a:t>branch</a:t>
+            </a:r>
+            <a:r>
+              <a:rPr lang="ko-KR" altLang="en-US" dirty="0"/>
+              <a:t>한 모든 명칭 불러오기</a:t>
+            </a:r>
+            <a:endParaRPr lang="en-US" altLang="ko-KR" dirty="0"/>
+          </a:p>
+        </p:txBody>
+      </p:sp>
+      <p:sp>
+        <p:nvSpPr>
+          <p:cNvPr id="15" name="TextBox 14">
+            <a:extLst>
+              <a:ext uri="{FF2B5EF4-FFF2-40B4-BE49-F238E27FC236}">
+                <a16:creationId xmlns:a16="http://schemas.microsoft.com/office/drawing/2014/main" id="{94276B29-90A5-4FD0-9399-6B70EADF5842}"/>
+              </a:ext>
+            </a:extLst>
+          </p:cNvPr>
+          <p:cNvSpPr txBox="1"/>
+          <p:nvPr/>
+        </p:nvSpPr>
+        <p:spPr>
+          <a:xfrm>
+            <a:off x="8638796" y="2998969"/>
+            <a:ext cx="3553204" cy="1285288"/>
+          </a:xfrm>
+          <a:prstGeom prst="rect">
+            <a:avLst/>
+          </a:prstGeom>
+          <a:noFill/>
+        </p:spPr>
+        <p:txBody>
+          <a:bodyPr wrap="square">
+            <a:spAutoFit/>
+          </a:bodyPr>
+          <a:lstStyle/>
+          <a:p>
+            <a:pPr>
+              <a:lnSpc>
+                <a:spcPct val="150000"/>
+              </a:lnSpc>
+            </a:pPr>
+            <a:r>
+              <a:rPr lang="en-US" altLang="ko-KR" dirty="0"/>
+              <a:t>2.Git</a:t>
+            </a:r>
+            <a:r>
+              <a:rPr lang="ko-KR" altLang="en-US" dirty="0"/>
+              <a:t> </a:t>
+            </a:r>
+            <a:r>
+              <a:rPr lang="en-US" altLang="ko-KR" dirty="0"/>
+              <a:t>checkout </a:t>
+            </a:r>
+            <a:r>
+              <a:rPr lang="en-US" altLang="ko-KR" u="sng" dirty="0"/>
+              <a:t>branch</a:t>
+            </a:r>
+            <a:r>
+              <a:rPr lang="ko-KR" altLang="en-US" u="sng" dirty="0"/>
+              <a:t>이름 </a:t>
+            </a:r>
+            <a:r>
+              <a:rPr lang="en-US" altLang="ko-KR" dirty="0"/>
+              <a:t>(</a:t>
+            </a:r>
+            <a:r>
+              <a:rPr lang="ko-KR" altLang="en-US" dirty="0"/>
+              <a:t>또는</a:t>
+            </a:r>
+            <a:r>
+              <a:rPr lang="en-US" altLang="ko-KR" dirty="0"/>
+              <a:t> 1</a:t>
+            </a:r>
+            <a:r>
+              <a:rPr lang="ko-KR" altLang="en-US" dirty="0"/>
+              <a:t>번 과정 없이 </a:t>
+            </a:r>
+            <a:r>
+              <a:rPr lang="en-US" altLang="ko-KR" dirty="0"/>
+              <a:t>git checkout –b </a:t>
+            </a:r>
+            <a:r>
+              <a:rPr lang="en-US" altLang="ko-KR" u="sng" dirty="0"/>
+              <a:t>branch</a:t>
+            </a:r>
+            <a:r>
+              <a:rPr lang="ko-KR" altLang="en-US" u="sng" dirty="0"/>
+              <a:t>이름</a:t>
+            </a:r>
+            <a:r>
+              <a:rPr lang="en-US" altLang="ko-KR" u="sng" dirty="0"/>
+              <a:t>)</a:t>
+            </a:r>
+            <a:r>
+              <a:rPr lang="ko-KR" altLang="en-US" u="sng" dirty="0"/>
+              <a:t> </a:t>
+            </a:r>
+            <a:endParaRPr lang="en-US" altLang="ko-KR" u="sng" dirty="0"/>
+          </a:p>
+        </p:txBody>
+      </p:sp>
+      <p:cxnSp>
+        <p:nvCxnSpPr>
+          <p:cNvPr id="17" name="직선 화살표 연결선 16">
+            <a:extLst>
+              <a:ext uri="{FF2B5EF4-FFF2-40B4-BE49-F238E27FC236}">
+                <a16:creationId xmlns:a16="http://schemas.microsoft.com/office/drawing/2014/main" id="{C6E17F6C-333C-473E-A0DA-77710DDD1A70}"/>
+              </a:ext>
+            </a:extLst>
+          </p:cNvPr>
+          <p:cNvCxnSpPr/>
+          <p:nvPr/>
+        </p:nvCxnSpPr>
+        <p:spPr>
+          <a:xfrm>
+            <a:off x="272374" y="3428999"/>
+            <a:ext cx="8536022" cy="0"/>
+          </a:xfrm>
+          <a:prstGeom prst="straightConnector1">
+            <a:avLst/>
+          </a:prstGeom>
+          <a:ln>
+            <a:tailEnd type="triangle"/>
+          </a:ln>
+        </p:spPr>
+        <p:style>
+          <a:lnRef idx="1">
+            <a:schemeClr val="accent1"/>
+          </a:lnRef>
+          <a:fillRef idx="0">
+            <a:schemeClr val="accent1"/>
+          </a:fillRef>
+          <a:effectRef idx="0">
+            <a:schemeClr val="accent1"/>
+          </a:effectRef>
+          <a:fontRef idx="minor">
+            <a:schemeClr val="tx1"/>
+          </a:fontRef>
+        </p:style>
+      </p:cxnSp>
     </p:spTree>
     <p:extLst>
       <p:ext uri="{BB962C8B-B14F-4D97-AF65-F5344CB8AC3E}">
-        <p14:creationId xmlns:p14="http://schemas.microsoft.com/office/powerpoint/2010/main" val="2057865336"/>
+        <p14:creationId xmlns:p14="http://schemas.microsoft.com/office/powerpoint/2010/main" val="3090261656"/>
       </p:ext>
     </p:extLst>
   </p:cSld>
@@ -16982,6 +16996,812 @@
     <p:extLst>
       <p:ext uri="{BB962C8B-B14F-4D97-AF65-F5344CB8AC3E}">
         <p14:creationId xmlns:p14="http://schemas.microsoft.com/office/powerpoint/2010/main" val="175329826"/>
+      </p:ext>
+    </p:extLst>
+  </p:cSld>
+  <p:clrMapOvr>
+    <a:masterClrMapping/>
+  </p:clrMapOvr>
+</p:sld>
+</file>
+
+<file path=ppt/slides/slide40.xml><?xml version="1.0" encoding="utf-8"?>
+<p:sld xmlns:a="http://schemas.openxmlformats.org/drawingml/2006/main" xmlns:r="http://schemas.openxmlformats.org/officeDocument/2006/relationships" xmlns:p="http://schemas.openxmlformats.org/presentationml/2006/main">
+  <p:cSld>
+    <p:spTree>
+      <p:nvGrpSpPr>
+        <p:cNvPr id="1" name=""/>
+        <p:cNvGrpSpPr/>
+        <p:nvPr/>
+      </p:nvGrpSpPr>
+      <p:grpSpPr>
+        <a:xfrm>
+          <a:off x="0" y="0"/>
+          <a:ext cx="0" cy="0"/>
+          <a:chOff x="0" y="0"/>
+          <a:chExt cx="0" cy="0"/>
+        </a:xfrm>
+      </p:grpSpPr>
+      <p:pic>
+        <p:nvPicPr>
+          <p:cNvPr id="2" name="그림 1">
+            <a:extLst>
+              <a:ext uri="{FF2B5EF4-FFF2-40B4-BE49-F238E27FC236}">
+                <a16:creationId xmlns:a16="http://schemas.microsoft.com/office/drawing/2014/main" id="{D754CB00-27B0-41DA-9EE8-2149D0F0C0DF}"/>
+              </a:ext>
+            </a:extLst>
+          </p:cNvPr>
+          <p:cNvPicPr>
+            <a:picLocks noChangeAspect="1"/>
+          </p:cNvPicPr>
+          <p:nvPr/>
+        </p:nvPicPr>
+        <p:blipFill>
+          <a:blip r:embed="rId2"/>
+          <a:stretch>
+            <a:fillRect/>
+          </a:stretch>
+        </p:blipFill>
+        <p:spPr>
+          <a:xfrm>
+            <a:off x="0" y="948447"/>
+            <a:ext cx="8626067" cy="4961106"/>
+          </a:xfrm>
+          <a:prstGeom prst="rect">
+            <a:avLst/>
+          </a:prstGeom>
+        </p:spPr>
+      </p:pic>
+      <p:sp>
+        <p:nvSpPr>
+          <p:cNvPr id="4" name="TextBox 3">
+            <a:extLst>
+              <a:ext uri="{FF2B5EF4-FFF2-40B4-BE49-F238E27FC236}">
+                <a16:creationId xmlns:a16="http://schemas.microsoft.com/office/drawing/2014/main" id="{279E722C-BA85-45B4-81F6-B0CF1AD0EBC1}"/>
+              </a:ext>
+            </a:extLst>
+          </p:cNvPr>
+          <p:cNvSpPr txBox="1"/>
+          <p:nvPr/>
+        </p:nvSpPr>
+        <p:spPr>
+          <a:xfrm>
+            <a:off x="8626067" y="2049584"/>
+            <a:ext cx="3806012" cy="1700787"/>
+          </a:xfrm>
+          <a:prstGeom prst="rect">
+            <a:avLst/>
+          </a:prstGeom>
+          <a:noFill/>
+        </p:spPr>
+        <p:txBody>
+          <a:bodyPr wrap="square">
+            <a:spAutoFit/>
+          </a:bodyPr>
+          <a:lstStyle/>
+          <a:p>
+            <a:pPr>
+              <a:lnSpc>
+                <a:spcPct val="150000"/>
+              </a:lnSpc>
+            </a:pPr>
+            <a:r>
+              <a:rPr lang="en-US" altLang="ko-KR" dirty="0"/>
+              <a:t>6. Git merge </a:t>
+            </a:r>
+            <a:r>
+              <a:rPr lang="en-US" altLang="ko-KR" u="sng" dirty="0"/>
+              <a:t>branch</a:t>
+            </a:r>
+            <a:r>
+              <a:rPr lang="ko-KR" altLang="en-US" u="sng" dirty="0"/>
+              <a:t>이름</a:t>
+            </a:r>
+            <a:endParaRPr lang="en-US" altLang="ko-KR" u="sng" dirty="0"/>
+          </a:p>
+          <a:p>
+            <a:pPr>
+              <a:lnSpc>
+                <a:spcPct val="150000"/>
+              </a:lnSpc>
+            </a:pPr>
+            <a:r>
+              <a:rPr lang="ko-KR" altLang="en-US" dirty="0"/>
+              <a:t> </a:t>
+            </a:r>
+            <a:r>
+              <a:rPr lang="en-US" altLang="ko-KR" dirty="0"/>
+              <a:t>*</a:t>
+            </a:r>
+            <a:r>
+              <a:rPr lang="ko-KR" altLang="en-US" dirty="0"/>
+              <a:t>만약 순서상 중복이 있을 경우 </a:t>
+            </a:r>
+            <a:r>
+              <a:rPr lang="en-US" altLang="ko-KR" dirty="0"/>
+              <a:t>push</a:t>
+            </a:r>
+            <a:r>
+              <a:rPr lang="ko-KR" altLang="en-US" dirty="0"/>
+              <a:t>에서 오류</a:t>
+            </a:r>
+            <a:r>
+              <a:rPr lang="en-US" altLang="ko-KR" dirty="0"/>
+              <a:t>. </a:t>
+            </a:r>
+          </a:p>
+          <a:p>
+            <a:pPr>
+              <a:lnSpc>
+                <a:spcPct val="150000"/>
+              </a:lnSpc>
+            </a:pPr>
+            <a:r>
+              <a:rPr lang="ko-KR" altLang="en-US" dirty="0"/>
+              <a:t>다시 변경 후 </a:t>
+            </a:r>
+            <a:r>
+              <a:rPr lang="en-US" altLang="ko-KR" dirty="0"/>
+              <a:t>4</a:t>
+            </a:r>
+            <a:r>
+              <a:rPr lang="ko-KR" altLang="en-US" dirty="0"/>
+              <a:t>번부터 다시 수행</a:t>
+            </a:r>
+            <a:r>
+              <a:rPr lang="en-US" altLang="ko-KR" dirty="0"/>
+              <a:t>*</a:t>
+            </a:r>
+          </a:p>
+        </p:txBody>
+      </p:sp>
+      <p:cxnSp>
+        <p:nvCxnSpPr>
+          <p:cNvPr id="6" name="직선 화살표 연결선 5">
+            <a:extLst>
+              <a:ext uri="{FF2B5EF4-FFF2-40B4-BE49-F238E27FC236}">
+                <a16:creationId xmlns:a16="http://schemas.microsoft.com/office/drawing/2014/main" id="{038A7D12-3FC0-4A2A-B4B3-8CF41B00798B}"/>
+              </a:ext>
+            </a:extLst>
+          </p:cNvPr>
+          <p:cNvCxnSpPr/>
+          <p:nvPr/>
+        </p:nvCxnSpPr>
+        <p:spPr>
+          <a:xfrm>
+            <a:off x="214009" y="1364045"/>
+            <a:ext cx="8412058" cy="0"/>
+          </a:xfrm>
+          <a:prstGeom prst="straightConnector1">
+            <a:avLst/>
+          </a:prstGeom>
+          <a:ln>
+            <a:tailEnd type="triangle"/>
+          </a:ln>
+        </p:spPr>
+        <p:style>
+          <a:lnRef idx="1">
+            <a:schemeClr val="accent1"/>
+          </a:lnRef>
+          <a:fillRef idx="0">
+            <a:schemeClr val="accent1"/>
+          </a:fillRef>
+          <a:effectRef idx="0">
+            <a:schemeClr val="accent1"/>
+          </a:effectRef>
+          <a:fontRef idx="minor">
+            <a:schemeClr val="tx1"/>
+          </a:fontRef>
+        </p:style>
+      </p:cxnSp>
+      <p:sp>
+        <p:nvSpPr>
+          <p:cNvPr id="8" name="TextBox 7">
+            <a:extLst>
+              <a:ext uri="{FF2B5EF4-FFF2-40B4-BE49-F238E27FC236}">
+                <a16:creationId xmlns:a16="http://schemas.microsoft.com/office/drawing/2014/main" id="{C3E68D44-0C8E-4292-B821-647FF6DB07C4}"/>
+              </a:ext>
+            </a:extLst>
+          </p:cNvPr>
+          <p:cNvSpPr txBox="1"/>
+          <p:nvPr/>
+        </p:nvSpPr>
+        <p:spPr>
+          <a:xfrm>
+            <a:off x="8626067" y="1136898"/>
+            <a:ext cx="6225702" cy="454292"/>
+          </a:xfrm>
+          <a:prstGeom prst="rect">
+            <a:avLst/>
+          </a:prstGeom>
+          <a:noFill/>
+        </p:spPr>
+        <p:txBody>
+          <a:bodyPr wrap="square">
+            <a:spAutoFit/>
+          </a:bodyPr>
+          <a:lstStyle/>
+          <a:p>
+            <a:pPr>
+              <a:lnSpc>
+                <a:spcPct val="150000"/>
+              </a:lnSpc>
+            </a:pPr>
+            <a:r>
+              <a:rPr lang="en-US" altLang="ko-KR" dirty="0"/>
+              <a:t>5. Git</a:t>
+            </a:r>
+            <a:r>
+              <a:rPr lang="ko-KR" altLang="en-US" dirty="0"/>
+              <a:t> </a:t>
+            </a:r>
+            <a:r>
+              <a:rPr lang="en-US" altLang="ko-KR" dirty="0"/>
+              <a:t>checkout</a:t>
+            </a:r>
+            <a:r>
+              <a:rPr lang="ko-KR" altLang="en-US" dirty="0"/>
+              <a:t> </a:t>
+            </a:r>
+            <a:r>
+              <a:rPr lang="en-US" altLang="ko-KR" dirty="0"/>
+              <a:t>master</a:t>
+            </a:r>
+          </a:p>
+        </p:txBody>
+      </p:sp>
+      <p:sp>
+        <p:nvSpPr>
+          <p:cNvPr id="10" name="TextBox 9">
+            <a:extLst>
+              <a:ext uri="{FF2B5EF4-FFF2-40B4-BE49-F238E27FC236}">
+                <a16:creationId xmlns:a16="http://schemas.microsoft.com/office/drawing/2014/main" id="{4A2CD93B-203A-4F21-86F6-EEC4224A8135}"/>
+              </a:ext>
+            </a:extLst>
+          </p:cNvPr>
+          <p:cNvSpPr txBox="1"/>
+          <p:nvPr/>
+        </p:nvSpPr>
+        <p:spPr>
+          <a:xfrm>
+            <a:off x="8871626" y="4539407"/>
+            <a:ext cx="7422204" cy="454292"/>
+          </a:xfrm>
+          <a:prstGeom prst="rect">
+            <a:avLst/>
+          </a:prstGeom>
+          <a:noFill/>
+        </p:spPr>
+        <p:txBody>
+          <a:bodyPr wrap="square">
+            <a:spAutoFit/>
+          </a:bodyPr>
+          <a:lstStyle/>
+          <a:p>
+            <a:pPr>
+              <a:lnSpc>
+                <a:spcPct val="150000"/>
+              </a:lnSpc>
+            </a:pPr>
+            <a:r>
+              <a:rPr lang="en-US" altLang="ko-KR" dirty="0"/>
+              <a:t>7. Git push</a:t>
+            </a:r>
+          </a:p>
+        </p:txBody>
+      </p:sp>
+      <p:cxnSp>
+        <p:nvCxnSpPr>
+          <p:cNvPr id="12" name="직선 화살표 연결선 11">
+            <a:extLst>
+              <a:ext uri="{FF2B5EF4-FFF2-40B4-BE49-F238E27FC236}">
+                <a16:creationId xmlns:a16="http://schemas.microsoft.com/office/drawing/2014/main" id="{1452DA72-E157-41E7-9ED9-EB943E4F01CC}"/>
+              </a:ext>
+            </a:extLst>
+          </p:cNvPr>
+          <p:cNvCxnSpPr/>
+          <p:nvPr/>
+        </p:nvCxnSpPr>
+        <p:spPr>
+          <a:xfrm>
+            <a:off x="214009" y="2373549"/>
+            <a:ext cx="8506968" cy="0"/>
+          </a:xfrm>
+          <a:prstGeom prst="straightConnector1">
+            <a:avLst/>
+          </a:prstGeom>
+          <a:ln>
+            <a:tailEnd type="triangle"/>
+          </a:ln>
+        </p:spPr>
+        <p:style>
+          <a:lnRef idx="1">
+            <a:schemeClr val="accent1"/>
+          </a:lnRef>
+          <a:fillRef idx="0">
+            <a:schemeClr val="accent1"/>
+          </a:fillRef>
+          <a:effectRef idx="0">
+            <a:schemeClr val="accent1"/>
+          </a:effectRef>
+          <a:fontRef idx="minor">
+            <a:schemeClr val="tx1"/>
+          </a:fontRef>
+        </p:style>
+      </p:cxnSp>
+      <p:cxnSp>
+        <p:nvCxnSpPr>
+          <p:cNvPr id="14" name="직선 화살표 연결선 13">
+            <a:extLst>
+              <a:ext uri="{FF2B5EF4-FFF2-40B4-BE49-F238E27FC236}">
+                <a16:creationId xmlns:a16="http://schemas.microsoft.com/office/drawing/2014/main" id="{D9B18008-4333-4A03-91BA-CFA9396DBE80}"/>
+              </a:ext>
+            </a:extLst>
+          </p:cNvPr>
+          <p:cNvCxnSpPr>
+            <a:cxnSpLocks/>
+          </p:cNvCxnSpPr>
+          <p:nvPr/>
+        </p:nvCxnSpPr>
+        <p:spPr>
+          <a:xfrm>
+            <a:off x="986174" y="3808736"/>
+            <a:ext cx="7885452" cy="957817"/>
+          </a:xfrm>
+          <a:prstGeom prst="straightConnector1">
+            <a:avLst/>
+          </a:prstGeom>
+          <a:ln>
+            <a:tailEnd type="triangle"/>
+          </a:ln>
+        </p:spPr>
+        <p:style>
+          <a:lnRef idx="1">
+            <a:schemeClr val="accent1"/>
+          </a:lnRef>
+          <a:fillRef idx="0">
+            <a:schemeClr val="accent1"/>
+          </a:fillRef>
+          <a:effectRef idx="0">
+            <a:schemeClr val="accent1"/>
+          </a:effectRef>
+          <a:fontRef idx="minor">
+            <a:schemeClr val="tx1"/>
+          </a:fontRef>
+        </p:style>
+      </p:cxnSp>
+      <p:cxnSp>
+        <p:nvCxnSpPr>
+          <p:cNvPr id="17" name="직선 연결선 16">
+            <a:extLst>
+              <a:ext uri="{FF2B5EF4-FFF2-40B4-BE49-F238E27FC236}">
+                <a16:creationId xmlns:a16="http://schemas.microsoft.com/office/drawing/2014/main" id="{02DD0DFE-F61C-4ED4-AFF1-FAE3DD3DB0B3}"/>
+              </a:ext>
+            </a:extLst>
+          </p:cNvPr>
+          <p:cNvCxnSpPr/>
+          <p:nvPr/>
+        </p:nvCxnSpPr>
+        <p:spPr>
+          <a:xfrm flipH="1">
+            <a:off x="214009" y="3808736"/>
+            <a:ext cx="894944" cy="0"/>
+          </a:xfrm>
+          <a:prstGeom prst="line">
+            <a:avLst/>
+          </a:prstGeom>
+        </p:spPr>
+        <p:style>
+          <a:lnRef idx="1">
+            <a:schemeClr val="accent1"/>
+          </a:lnRef>
+          <a:fillRef idx="0">
+            <a:schemeClr val="accent1"/>
+          </a:fillRef>
+          <a:effectRef idx="0">
+            <a:schemeClr val="accent1"/>
+          </a:effectRef>
+          <a:fontRef idx="minor">
+            <a:schemeClr val="tx1"/>
+          </a:fontRef>
+        </p:style>
+      </p:cxnSp>
+    </p:spTree>
+    <p:extLst>
+      <p:ext uri="{BB962C8B-B14F-4D97-AF65-F5344CB8AC3E}">
+        <p14:creationId xmlns:p14="http://schemas.microsoft.com/office/powerpoint/2010/main" val="567571096"/>
+      </p:ext>
+    </p:extLst>
+  </p:cSld>
+  <p:clrMapOvr>
+    <a:masterClrMapping/>
+  </p:clrMapOvr>
+</p:sld>
+</file>
+
+<file path=ppt/slides/slide41.xml><?xml version="1.0" encoding="utf-8"?>
+<p:sld xmlns:a="http://schemas.openxmlformats.org/drawingml/2006/main" xmlns:r="http://schemas.openxmlformats.org/officeDocument/2006/relationships" xmlns:p="http://schemas.openxmlformats.org/presentationml/2006/main">
+  <p:cSld>
+    <p:spTree>
+      <p:nvGrpSpPr>
+        <p:cNvPr id="1" name=""/>
+        <p:cNvGrpSpPr/>
+        <p:nvPr/>
+      </p:nvGrpSpPr>
+      <p:grpSpPr>
+        <a:xfrm>
+          <a:off x="0" y="0"/>
+          <a:ext cx="0" cy="0"/>
+          <a:chOff x="0" y="0"/>
+          <a:chExt cx="0" cy="0"/>
+        </a:xfrm>
+      </p:grpSpPr>
+      <p:sp>
+        <p:nvSpPr>
+          <p:cNvPr id="2" name="TextBox 1">
+            <a:extLst>
+              <a:ext uri="{FF2B5EF4-FFF2-40B4-BE49-F238E27FC236}">
+                <a16:creationId xmlns:a16="http://schemas.microsoft.com/office/drawing/2014/main" id="{39A990B4-7AF1-4DC5-BECA-634C14F7D50A}"/>
+              </a:ext>
+            </a:extLst>
+          </p:cNvPr>
+          <p:cNvSpPr txBox="1"/>
+          <p:nvPr/>
+        </p:nvSpPr>
+        <p:spPr>
+          <a:xfrm>
+            <a:off x="0" y="42479"/>
+            <a:ext cx="12192000" cy="6652142"/>
+          </a:xfrm>
+          <a:prstGeom prst="rect">
+            <a:avLst/>
+          </a:prstGeom>
+          <a:noFill/>
+        </p:spPr>
+        <p:txBody>
+          <a:bodyPr wrap="square" rtlCol="0">
+            <a:spAutoFit/>
+          </a:bodyPr>
+          <a:lstStyle/>
+          <a:p>
+            <a:pPr>
+              <a:lnSpc>
+                <a:spcPct val="200000"/>
+              </a:lnSpc>
+            </a:pPr>
+            <a:r>
+              <a:rPr lang="en-US" altLang="ko-KR" dirty="0"/>
+              <a:t>--------</a:t>
+            </a:r>
+            <a:r>
+              <a:rPr lang="ko-KR" altLang="en-US" dirty="0"/>
+              <a:t>도움이 되는 </a:t>
+            </a:r>
+            <a:r>
+              <a:rPr lang="en-US" altLang="ko-KR" dirty="0"/>
+              <a:t>git</a:t>
+            </a:r>
+            <a:r>
+              <a:rPr lang="ko-KR" altLang="en-US" dirty="0"/>
+              <a:t> 용어 정리</a:t>
+            </a:r>
+            <a:r>
+              <a:rPr lang="en-US" altLang="ko-KR" dirty="0"/>
+              <a:t>---------</a:t>
+            </a:r>
+          </a:p>
+          <a:p>
+            <a:pPr>
+              <a:lnSpc>
+                <a:spcPct val="200000"/>
+              </a:lnSpc>
+            </a:pPr>
+            <a:r>
+              <a:rPr lang="en-US" altLang="ko-KR" dirty="0"/>
+              <a:t>ls : </a:t>
+            </a:r>
+            <a:r>
+              <a:rPr lang="ko-KR" altLang="en-US" dirty="0"/>
+              <a:t>해당</a:t>
+            </a:r>
+            <a:r>
+              <a:rPr lang="en-US" altLang="ko-KR" dirty="0"/>
+              <a:t> </a:t>
+            </a:r>
+            <a:r>
+              <a:rPr lang="ko-KR" altLang="en-US" dirty="0"/>
+              <a:t>폴더에 있는 다른 파일들을 확일</a:t>
+            </a:r>
+            <a:endParaRPr lang="en-US" altLang="ko-KR" dirty="0"/>
+          </a:p>
+          <a:p>
+            <a:pPr>
+              <a:lnSpc>
+                <a:spcPct val="200000"/>
+              </a:lnSpc>
+            </a:pPr>
+            <a:r>
+              <a:rPr lang="en-US" altLang="ko-KR" dirty="0"/>
+              <a:t>Cat </a:t>
+            </a:r>
+            <a:r>
+              <a:rPr lang="ko-KR" altLang="en-US" u="sng" dirty="0"/>
+              <a:t>파일명</a:t>
+            </a:r>
+            <a:r>
+              <a:rPr lang="ko-KR" altLang="en-US" dirty="0"/>
+              <a:t>  </a:t>
+            </a:r>
+            <a:r>
+              <a:rPr lang="en-US" altLang="ko-KR" dirty="0"/>
+              <a:t>:  </a:t>
+            </a:r>
+            <a:r>
+              <a:rPr lang="ko-KR" altLang="en-US" dirty="0"/>
+              <a:t>해당 파일의 내용을 읽을 수 있음</a:t>
+            </a:r>
+            <a:r>
+              <a:rPr lang="en-US" altLang="ko-KR" dirty="0"/>
+              <a:t>.(</a:t>
+            </a:r>
+            <a:r>
+              <a:rPr lang="ko-KR" altLang="en-US" dirty="0"/>
+              <a:t>단</a:t>
+            </a:r>
+            <a:r>
+              <a:rPr lang="en-US" altLang="ko-KR" dirty="0"/>
+              <a:t>, </a:t>
+            </a:r>
+            <a:r>
+              <a:rPr lang="ko-KR" altLang="en-US" dirty="0"/>
+              <a:t>깨져 나올 수 있음</a:t>
+            </a:r>
+            <a:r>
+              <a:rPr lang="en-US" altLang="ko-KR" dirty="0"/>
+              <a:t>)</a:t>
+            </a:r>
+          </a:p>
+          <a:p>
+            <a:pPr>
+              <a:lnSpc>
+                <a:spcPct val="200000"/>
+              </a:lnSpc>
+            </a:pPr>
+            <a:r>
+              <a:rPr lang="en-US" altLang="ko-KR" dirty="0"/>
+              <a:t>Git</a:t>
+            </a:r>
+            <a:r>
+              <a:rPr lang="ko-KR" altLang="en-US" dirty="0"/>
+              <a:t> </a:t>
+            </a:r>
+            <a:r>
+              <a:rPr lang="en-US" altLang="ko-KR" dirty="0"/>
+              <a:t>log</a:t>
+            </a:r>
+            <a:r>
+              <a:rPr lang="ko-KR" altLang="en-US" dirty="0"/>
+              <a:t> </a:t>
+            </a:r>
+            <a:r>
+              <a:rPr lang="en-US" altLang="ko-KR" dirty="0"/>
+              <a:t>:</a:t>
+            </a:r>
+            <a:r>
+              <a:rPr lang="ko-KR" altLang="en-US" dirty="0"/>
+              <a:t> </a:t>
+            </a:r>
+            <a:r>
+              <a:rPr lang="en-US" altLang="ko-KR" dirty="0"/>
+              <a:t>add</a:t>
+            </a:r>
+            <a:r>
+              <a:rPr lang="ko-KR" altLang="en-US" dirty="0"/>
+              <a:t>한 파일 기록 확인</a:t>
+            </a:r>
+            <a:endParaRPr lang="en-US" altLang="ko-KR" dirty="0"/>
+          </a:p>
+          <a:p>
+            <a:pPr>
+              <a:lnSpc>
+                <a:spcPct val="200000"/>
+              </a:lnSpc>
+            </a:pPr>
+            <a:r>
+              <a:rPr lang="en-US" altLang="ko-KR" dirty="0"/>
+              <a:t>Cd : </a:t>
+            </a:r>
+            <a:r>
+              <a:rPr lang="ko-KR" altLang="en-US" dirty="0"/>
+              <a:t>파일 내에서 이동 명령어</a:t>
+            </a:r>
+            <a:endParaRPr lang="en-US" altLang="ko-KR" dirty="0"/>
+          </a:p>
+          <a:p>
+            <a:pPr>
+              <a:lnSpc>
+                <a:spcPct val="200000"/>
+              </a:lnSpc>
+            </a:pPr>
+            <a:r>
+              <a:rPr lang="en-US" altLang="ko-KR" dirty="0"/>
+              <a:t>  Cd</a:t>
+            </a:r>
+            <a:r>
+              <a:rPr lang="ko-KR" altLang="en-US" dirty="0"/>
+              <a:t> </a:t>
+            </a:r>
+            <a:r>
+              <a:rPr lang="en-US" altLang="ko-KR" dirty="0"/>
+              <a:t>..</a:t>
+            </a:r>
+            <a:r>
+              <a:rPr lang="ko-KR" altLang="en-US" dirty="0"/>
+              <a:t> </a:t>
+            </a:r>
+            <a:r>
+              <a:rPr lang="en-US" altLang="ko-KR" dirty="0"/>
+              <a:t>:</a:t>
+            </a:r>
+            <a:r>
+              <a:rPr lang="ko-KR" altLang="en-US" dirty="0"/>
+              <a:t>이전 파일로 나가기</a:t>
+            </a:r>
+            <a:endParaRPr lang="en-US" altLang="ko-KR" dirty="0"/>
+          </a:p>
+          <a:p>
+            <a:pPr>
+              <a:lnSpc>
+                <a:spcPct val="200000"/>
+              </a:lnSpc>
+            </a:pPr>
+            <a:r>
+              <a:rPr lang="en-US" altLang="ko-KR" dirty="0"/>
+              <a:t>  Cd </a:t>
+            </a:r>
+            <a:r>
+              <a:rPr lang="ko-KR" altLang="en-US" dirty="0"/>
+              <a:t>파일명 </a:t>
+            </a:r>
+            <a:r>
+              <a:rPr lang="en-US" altLang="ko-KR" dirty="0"/>
+              <a:t>: </a:t>
+            </a:r>
+            <a:r>
+              <a:rPr lang="ko-KR" altLang="en-US" dirty="0"/>
+              <a:t>해당 파일로 이동하기</a:t>
+            </a:r>
+            <a:endParaRPr lang="en-US" altLang="ko-KR" dirty="0"/>
+          </a:p>
+          <a:p>
+            <a:pPr>
+              <a:lnSpc>
+                <a:spcPct val="200000"/>
+              </a:lnSpc>
+            </a:pPr>
+            <a:r>
+              <a:rPr lang="ko-KR" altLang="en-US" dirty="0"/>
+              <a:t>  단</a:t>
+            </a:r>
+            <a:r>
+              <a:rPr lang="en-US" altLang="ko-KR" dirty="0"/>
+              <a:t>, </a:t>
+            </a:r>
+            <a:r>
+              <a:rPr lang="ko-KR" altLang="en-US" dirty="0"/>
+              <a:t>해당 영역에서 실존할 때만 가능</a:t>
+            </a:r>
+            <a:r>
+              <a:rPr lang="en-US" altLang="ko-KR" dirty="0"/>
+              <a:t>.</a:t>
+            </a:r>
+          </a:p>
+          <a:p>
+            <a:pPr>
+              <a:lnSpc>
+                <a:spcPct val="200000"/>
+              </a:lnSpc>
+            </a:pPr>
+            <a:r>
+              <a:rPr lang="en-US" altLang="ko-KR" dirty="0"/>
+              <a:t>Git</a:t>
+            </a:r>
+            <a:r>
+              <a:rPr lang="ko-KR" altLang="en-US" dirty="0"/>
+              <a:t> </a:t>
+            </a:r>
+            <a:r>
+              <a:rPr lang="en-US" altLang="ko-KR" dirty="0"/>
+              <a:t>branch : master</a:t>
+            </a:r>
+            <a:r>
+              <a:rPr lang="ko-KR" altLang="en-US" dirty="0"/>
+              <a:t>를 포함한 </a:t>
+            </a:r>
+            <a:r>
+              <a:rPr lang="en-US" altLang="ko-KR" dirty="0"/>
+              <a:t>branch</a:t>
+            </a:r>
+            <a:r>
+              <a:rPr lang="ko-KR" altLang="en-US" dirty="0"/>
+              <a:t>한 모든 명칭 불러오기</a:t>
+            </a:r>
+            <a:endParaRPr lang="en-US" altLang="ko-KR" dirty="0"/>
+          </a:p>
+          <a:p>
+            <a:pPr>
+              <a:lnSpc>
+                <a:spcPct val="200000"/>
+              </a:lnSpc>
+            </a:pPr>
+            <a:r>
+              <a:rPr lang="en-US" altLang="ko-KR" dirty="0"/>
+              <a:t>Echo</a:t>
+            </a:r>
+            <a:r>
+              <a:rPr lang="ko-KR" altLang="en-US" dirty="0"/>
+              <a:t> </a:t>
+            </a:r>
+            <a:r>
+              <a:rPr lang="en-US" altLang="ko-KR" u="sng" dirty="0"/>
+              <a:t>“</a:t>
+            </a:r>
+            <a:r>
+              <a:rPr lang="ko-KR" altLang="en-US" u="sng" dirty="0"/>
+              <a:t>쓰려는 내용</a:t>
+            </a:r>
+            <a:r>
+              <a:rPr lang="en-US" altLang="ko-KR" u="sng" dirty="0"/>
+              <a:t>” &gt;&gt; </a:t>
+            </a:r>
+            <a:r>
+              <a:rPr lang="ko-KR" altLang="en-US" u="sng" dirty="0"/>
+              <a:t>해당 파일명</a:t>
+            </a:r>
+            <a:r>
+              <a:rPr lang="en-US" altLang="ko-KR" dirty="0"/>
+              <a:t> :</a:t>
+            </a:r>
+            <a:r>
+              <a:rPr lang="en-US" altLang="ko-KR" u="sng" dirty="0"/>
+              <a:t> </a:t>
+            </a:r>
+            <a:r>
+              <a:rPr lang="ko-KR" altLang="en-US" dirty="0"/>
+              <a:t>자료에 들어가지 않고 바로 작성 가능</a:t>
+            </a:r>
+            <a:r>
+              <a:rPr lang="en-US" altLang="ko-KR" dirty="0"/>
+              <a:t>.</a:t>
+            </a:r>
+            <a:endParaRPr lang="en-US" altLang="ko-KR" u="sng" dirty="0"/>
+          </a:p>
+          <a:p>
+            <a:pPr>
+              <a:lnSpc>
+                <a:spcPct val="200000"/>
+              </a:lnSpc>
+            </a:pPr>
+            <a:endParaRPr lang="en-US" altLang="ko-KR" dirty="0"/>
+          </a:p>
+          <a:p>
+            <a:pPr>
+              <a:lnSpc>
+                <a:spcPct val="200000"/>
+              </a:lnSpc>
+            </a:pPr>
+            <a:r>
+              <a:rPr lang="en-US" altLang="ko-KR" dirty="0"/>
+              <a:t> </a:t>
+            </a:r>
+            <a:endParaRPr lang="ko-KR" altLang="en-US" dirty="0"/>
+          </a:p>
+        </p:txBody>
+      </p:sp>
+    </p:spTree>
+    <p:extLst>
+      <p:ext uri="{BB962C8B-B14F-4D97-AF65-F5344CB8AC3E}">
+        <p14:creationId xmlns:p14="http://schemas.microsoft.com/office/powerpoint/2010/main" val="2057865336"/>
       </p:ext>
     </p:extLst>
   </p:cSld>
